--- a/PowerPoint/Jenič Nik T4b.pptx
+++ b/PowerPoint/Jenič Nik T4b.pptx
@@ -6,6 +6,20 @@
   </p:sldMasterIdLst>
   <p:sldIdLst>
     <p:sldId id="256" r:id="rId2"/>
+    <p:sldId id="257" r:id="rId3"/>
+    <p:sldId id="258" r:id="rId4"/>
+    <p:sldId id="259" r:id="rId5"/>
+    <p:sldId id="260" r:id="rId6"/>
+    <p:sldId id="261" r:id="rId7"/>
+    <p:sldId id="262" r:id="rId8"/>
+    <p:sldId id="263" r:id="rId9"/>
+    <p:sldId id="267" r:id="rId10"/>
+    <p:sldId id="264" r:id="rId11"/>
+    <p:sldId id="266" r:id="rId12"/>
+    <p:sldId id="270" r:id="rId13"/>
+    <p:sldId id="268" r:id="rId14"/>
+    <p:sldId id="265" r:id="rId15"/>
+    <p:sldId id="269" r:id="rId16"/>
   </p:sldIdLst>
   <p:sldSz cx="12192000" cy="6858000"/>
   <p:notesSz cx="6858000" cy="9144000"/>
@@ -104,12 +118,22 @@
       </a:defRPr>
     </a:lvl9pPr>
   </p:defaultTextStyle>
+  <p:extLst>
+    <p:ext uri="{EFAFB233-063F-42B5-8137-9DF3F51BA10A}">
+      <p15:sldGuideLst xmlns:p15="http://schemas.microsoft.com/office/powerpoint/2012/main"/>
+    </p:ext>
+  </p:extLst>
 </p:presentation>
 </file>
 
 <file path=ppt/slideLayouts/slideLayout1.xml><?xml version="1.0" encoding="utf-8"?>
 <p:sldLayout xmlns:a="http://schemas.openxmlformats.org/drawingml/2006/main" xmlns:r="http://schemas.openxmlformats.org/officeDocument/2006/relationships" xmlns:p="http://schemas.openxmlformats.org/presentationml/2006/main" type="title" preserve="1">
   <p:cSld name="Title Slide">
+    <p:bg>
+      <p:bgRef idx="1001">
+        <a:schemeClr val="bg1"/>
+      </p:bgRef>
+    </p:bg>
     <p:spTree>
       <p:nvGrpSpPr>
         <p:cNvPr id="1" name=""/>
@@ -124,6 +148,56 @@
           <a:chExt cx="0" cy="0"/>
         </a:xfrm>
       </p:grpSpPr>
+      <p:pic>
+        <p:nvPicPr>
+          <p:cNvPr id="8" name="Picture 7">
+            <a:extLst>
+              <a:ext uri="{FF2B5EF4-FFF2-40B4-BE49-F238E27FC236}">
+                <a16:creationId xmlns:a16="http://schemas.microsoft.com/office/drawing/2014/main" id="{63F8BBFC-ED7F-424E-B098-88B711D1F38D}"/>
+              </a:ext>
+            </a:extLst>
+          </p:cNvPr>
+          <p:cNvPicPr>
+            <a:picLocks noChangeAspect="1"/>
+          </p:cNvPicPr>
+          <p:nvPr userDrawn="1"/>
+        </p:nvPicPr>
+        <p:blipFill>
+          <a:blip r:embed="rId2">
+            <a:alphaModFix amt="20000"/>
+            <a:extLst>
+              <a:ext uri="{BEBA8EAE-BF5A-486C-A8C5-ECC9F3942E4B}">
+                <a14:imgProps xmlns:a14="http://schemas.microsoft.com/office/drawing/2010/main">
+                  <a14:imgLayer r:embed="rId3">
+                    <a14:imgEffect>
+                      <a14:artisticGlowEdges/>
+                    </a14:imgEffect>
+                  </a14:imgLayer>
+                </a14:imgProps>
+              </a:ext>
+              <a:ext uri="{28A0092B-C50C-407E-A947-70E740481C1C}">
+                <a14:useLocalDpi xmlns:a14="http://schemas.microsoft.com/office/drawing/2010/main" val="0"/>
+              </a:ext>
+            </a:extLst>
+          </a:blip>
+          <a:srcRect/>
+          <a:stretch/>
+        </p:blipFill>
+        <p:spPr>
+          <a:xfrm rot="-480000">
+            <a:off x="-9245325" y="-12208037"/>
+            <a:ext cx="27554991" cy="29772532"/>
+          </a:xfrm>
+          <a:prstGeom prst="rect">
+            <a:avLst/>
+          </a:prstGeom>
+          <a:effectLst/>
+          <a:scene3d>
+            <a:camera prst="isometricOffAxis2Top"/>
+            <a:lightRig rig="threePt" dir="t"/>
+          </a:scene3d>
+        </p:spPr>
+      </p:pic>
       <p:sp>
         <p:nvSpPr>
           <p:cNvPr id="2" name="Title 1">
@@ -256,7 +330,7 @@
           <a:p>
             <a:fld id="{F133FE99-EF32-4208-98DD-697D8B8FAF36}" type="datetimeFigureOut">
               <a:rPr lang="en-SI" smtClean="0"/>
-              <a:t>13/04/2022</a:t>
+              <a:t>24/04/2022</a:t>
             </a:fld>
             <a:endParaRPr lang="en-SI"/>
           </a:p>
@@ -324,7 +398,7 @@
     </p:extLst>
   </p:cSld>
   <p:clrMapOvr>
-    <a:masterClrMapping/>
+    <a:overrideClrMapping bg1="dk1" tx1="lt1" bg2="dk2" tx2="lt2" accent1="accent1" accent2="accent2" accent3="accent3" accent4="accent4" accent5="accent5" accent6="accent6" hlink="hlink" folHlink="folHlink"/>
   </p:clrMapOvr>
 </p:sldLayout>
 </file>
@@ -456,7 +530,7 @@
           <a:p>
             <a:fld id="{F133FE99-EF32-4208-98DD-697D8B8FAF36}" type="datetimeFigureOut">
               <a:rPr lang="en-SI" smtClean="0"/>
-              <a:t>13/04/2022</a:t>
+              <a:t>24/04/2022</a:t>
             </a:fld>
             <a:endParaRPr lang="en-SI"/>
           </a:p>
@@ -666,7 +740,7 @@
           <a:p>
             <a:fld id="{F133FE99-EF32-4208-98DD-697D8B8FAF36}" type="datetimeFigureOut">
               <a:rPr lang="en-SI" smtClean="0"/>
-              <a:t>13/04/2022</a:t>
+              <a:t>24/04/2022</a:t>
             </a:fld>
             <a:endParaRPr lang="en-SI"/>
           </a:p>
@@ -742,6 +816,11 @@
 <file path=ppt/slideLayouts/slideLayout2.xml><?xml version="1.0" encoding="utf-8"?>
 <p:sldLayout xmlns:a="http://schemas.openxmlformats.org/drawingml/2006/main" xmlns:r="http://schemas.openxmlformats.org/officeDocument/2006/relationships" xmlns:p="http://schemas.openxmlformats.org/presentationml/2006/main" type="obj" preserve="1">
   <p:cSld name="Title and Content">
+    <p:bg>
+      <p:bgRef idx="1001">
+        <a:schemeClr val="bg1"/>
+      </p:bgRef>
+    </p:bg>
     <p:spTree>
       <p:nvGrpSpPr>
         <p:cNvPr id="1" name=""/>
@@ -758,6 +837,58 @@
       </p:grpSpPr>
       <p:sp>
         <p:nvSpPr>
+          <p:cNvPr id="12" name="Rectangle 11">
+            <a:extLst>
+              <a:ext uri="{FF2B5EF4-FFF2-40B4-BE49-F238E27FC236}">
+                <a16:creationId xmlns:a16="http://schemas.microsoft.com/office/drawing/2014/main" id="{9A7AF177-6459-4710-85B2-C041C73F7808}"/>
+              </a:ext>
+            </a:extLst>
+          </p:cNvPr>
+          <p:cNvSpPr/>
+          <p:nvPr userDrawn="1"/>
+        </p:nvSpPr>
+        <p:spPr>
+          <a:xfrm>
+            <a:off x="0" y="1"/>
+            <a:ext cx="12192000" cy="6858000"/>
+          </a:xfrm>
+          <a:prstGeom prst="rect">
+            <a:avLst/>
+          </a:prstGeom>
+          <a:solidFill>
+            <a:srgbClr val="212121"/>
+          </a:solidFill>
+          <a:ln>
+            <a:noFill/>
+          </a:ln>
+        </p:spPr>
+        <p:style>
+          <a:lnRef idx="2">
+            <a:schemeClr val="accent1">
+              <a:shade val="50000"/>
+            </a:schemeClr>
+          </a:lnRef>
+          <a:fillRef idx="1">
+            <a:schemeClr val="accent1"/>
+          </a:fillRef>
+          <a:effectRef idx="0">
+            <a:schemeClr val="accent1"/>
+          </a:effectRef>
+          <a:fontRef idx="minor">
+            <a:schemeClr val="lt1"/>
+          </a:fontRef>
+        </p:style>
+        <p:txBody>
+          <a:bodyPr rtlCol="0" anchor="ctr"/>
+          <a:lstStyle/>
+          <a:p>
+            <a:pPr algn="ctr"/>
+            <a:endParaRPr lang="en-SI"/>
+          </a:p>
+        </p:txBody>
+      </p:sp>
+      <p:sp>
+        <p:nvSpPr>
           <p:cNvPr id="2" name="Title 1">
             <a:extLst>
               <a:ext uri="{FF2B5EF4-FFF2-40B4-BE49-F238E27FC236}">
@@ -778,10 +909,34 @@
           <a:lstStyle/>
           <a:p>
             <a:r>
-              <a:rPr lang="en-US"/>
-              <a:t>Click to edit Master title style</a:t>
-            </a:r>
-            <a:endParaRPr lang="en-SI"/>
+              <a:rPr lang="sl-SI" noProof="0" dirty="0" err="1"/>
+              <a:t>Click</a:t>
+            </a:r>
+            <a:r>
+              <a:rPr lang="sl-SI" noProof="0" dirty="0"/>
+              <a:t> to </a:t>
+            </a:r>
+            <a:r>
+              <a:rPr lang="sl-SI" noProof="0" dirty="0" err="1"/>
+              <a:t>edit</a:t>
+            </a:r>
+            <a:r>
+              <a:rPr lang="sl-SI" noProof="0" dirty="0"/>
+              <a:t> </a:t>
+            </a:r>
+            <a:r>
+              <a:rPr lang="sl-SI" noProof="0" dirty="0" err="1"/>
+              <a:t>Master</a:t>
+            </a:r>
+            <a:r>
+              <a:rPr lang="sl-SI" noProof="0" dirty="0"/>
+              <a:t> title </a:t>
+            </a:r>
+            <a:r>
+              <a:rPr lang="sl-SI" noProof="0" dirty="0" err="1"/>
+              <a:t>style</a:t>
+            </a:r>
+            <a:endParaRPr lang="sl-SI" noProof="0" dirty="0"/>
           </a:p>
         </p:txBody>
       </p:sp>
@@ -808,38 +963,106 @@
           <a:p>
             <a:pPr lvl="0"/>
             <a:r>
-              <a:rPr lang="en-US"/>
-              <a:t>Click to edit Master text styles</a:t>
-            </a:r>
+              <a:rPr lang="sl-SI" noProof="0" dirty="0" err="1"/>
+              <a:t>Click</a:t>
+            </a:r>
+            <a:r>
+              <a:rPr lang="sl-SI" noProof="0" dirty="0"/>
+              <a:t> to </a:t>
+            </a:r>
+            <a:r>
+              <a:rPr lang="sl-SI" noProof="0" dirty="0" err="1"/>
+              <a:t>edit</a:t>
+            </a:r>
+            <a:r>
+              <a:rPr lang="sl-SI" noProof="0" dirty="0"/>
+              <a:t> </a:t>
+            </a:r>
+            <a:r>
+              <a:rPr lang="sl-SI" noProof="0" dirty="0" err="1"/>
+              <a:t>Master</a:t>
+            </a:r>
+            <a:r>
+              <a:rPr lang="sl-SI" noProof="0" dirty="0"/>
+              <a:t> </a:t>
+            </a:r>
+            <a:r>
+              <a:rPr lang="sl-SI" noProof="0" dirty="0" err="1"/>
+              <a:t>text</a:t>
+            </a:r>
+            <a:r>
+              <a:rPr lang="sl-SI" noProof="0" dirty="0"/>
+              <a:t> </a:t>
+            </a:r>
+            <a:r>
+              <a:rPr lang="sl-SI" noProof="0" dirty="0" err="1"/>
+              <a:t>styles</a:t>
+            </a:r>
+            <a:endParaRPr lang="sl-SI" noProof="0" dirty="0"/>
           </a:p>
           <a:p>
             <a:pPr lvl="1"/>
             <a:r>
-              <a:rPr lang="en-US"/>
-              <a:t>Second level</a:t>
-            </a:r>
+              <a:rPr lang="sl-SI" noProof="0" dirty="0" err="1"/>
+              <a:t>Second</a:t>
+            </a:r>
+            <a:r>
+              <a:rPr lang="sl-SI" noProof="0" dirty="0"/>
+              <a:t> </a:t>
+            </a:r>
+            <a:r>
+              <a:rPr lang="sl-SI" noProof="0" dirty="0" err="1"/>
+              <a:t>level</a:t>
+            </a:r>
+            <a:endParaRPr lang="sl-SI" noProof="0" dirty="0"/>
           </a:p>
           <a:p>
             <a:pPr lvl="2"/>
             <a:r>
-              <a:rPr lang="en-US"/>
-              <a:t>Third level</a:t>
-            </a:r>
+              <a:rPr lang="sl-SI" noProof="0" dirty="0" err="1"/>
+              <a:t>Third</a:t>
+            </a:r>
+            <a:r>
+              <a:rPr lang="sl-SI" noProof="0" dirty="0"/>
+              <a:t> </a:t>
+            </a:r>
+            <a:r>
+              <a:rPr lang="sl-SI" noProof="0" dirty="0" err="1"/>
+              <a:t>level</a:t>
+            </a:r>
+            <a:endParaRPr lang="sl-SI" noProof="0" dirty="0"/>
           </a:p>
           <a:p>
             <a:pPr lvl="3"/>
             <a:r>
-              <a:rPr lang="en-US"/>
-              <a:t>Fourth level</a:t>
-            </a:r>
+              <a:rPr lang="sl-SI" noProof="0" dirty="0" err="1"/>
+              <a:t>Fourth</a:t>
+            </a:r>
+            <a:r>
+              <a:rPr lang="sl-SI" noProof="0" dirty="0"/>
+              <a:t> </a:t>
+            </a:r>
+            <a:r>
+              <a:rPr lang="sl-SI" noProof="0" dirty="0" err="1"/>
+              <a:t>level</a:t>
+            </a:r>
+            <a:endParaRPr lang="sl-SI" noProof="0" dirty="0"/>
           </a:p>
           <a:p>
             <a:pPr lvl="4"/>
             <a:r>
-              <a:rPr lang="en-US"/>
-              <a:t>Fifth level</a:t>
-            </a:r>
-            <a:endParaRPr lang="en-SI"/>
+              <a:rPr lang="sl-SI" noProof="0" dirty="0" err="1"/>
+              <a:t>Fifth</a:t>
+            </a:r>
+            <a:r>
+              <a:rPr lang="sl-SI" noProof="0" dirty="0"/>
+              <a:t> </a:t>
+            </a:r>
+            <a:r>
+              <a:rPr lang="sl-SI" noProof="0" dirty="0" err="1"/>
+              <a:t>level</a:t>
+            </a:r>
+            <a:endParaRPr lang="sl-SI" noProof="0" dirty="0"/>
           </a:p>
         </p:txBody>
       </p:sp>
@@ -866,7 +1089,7 @@
           <a:p>
             <a:fld id="{F133FE99-EF32-4208-98DD-697D8B8FAF36}" type="datetimeFigureOut">
               <a:rPr lang="en-SI" smtClean="0"/>
-              <a:t>13/04/2022</a:t>
+              <a:t>24/04/2022</a:t>
             </a:fld>
             <a:endParaRPr lang="en-SI"/>
           </a:p>
@@ -923,6 +1146,168 @@
               <a:t>‹#›</a:t>
             </a:fld>
             <a:endParaRPr lang="en-SI"/>
+          </a:p>
+        </p:txBody>
+      </p:sp>
+      <p:sp>
+        <p:nvSpPr>
+          <p:cNvPr id="7" name="Rectangle 6">
+            <a:extLst>
+              <a:ext uri="{FF2B5EF4-FFF2-40B4-BE49-F238E27FC236}">
+                <a16:creationId xmlns:a16="http://schemas.microsoft.com/office/drawing/2014/main" id="{6CC7214E-89A1-4284-8D19-CD6E35E66CC5}"/>
+              </a:ext>
+            </a:extLst>
+          </p:cNvPr>
+          <p:cNvSpPr/>
+          <p:nvPr userDrawn="1"/>
+        </p:nvSpPr>
+        <p:spPr>
+          <a:xfrm>
+            <a:off x="-58420" y="1512031"/>
+            <a:ext cx="12301220" cy="56832"/>
+          </a:xfrm>
+          <a:prstGeom prst="rect">
+            <a:avLst/>
+          </a:prstGeom>
+          <a:solidFill>
+            <a:srgbClr val="00FFFF">
+              <a:alpha val="50000"/>
+            </a:srgbClr>
+          </a:solidFill>
+          <a:ln>
+            <a:noFill/>
+          </a:ln>
+        </p:spPr>
+        <p:style>
+          <a:lnRef idx="2">
+            <a:schemeClr val="accent1">
+              <a:shade val="50000"/>
+            </a:schemeClr>
+          </a:lnRef>
+          <a:fillRef idx="1">
+            <a:schemeClr val="accent1"/>
+          </a:fillRef>
+          <a:effectRef idx="0">
+            <a:schemeClr val="accent1"/>
+          </a:effectRef>
+          <a:fontRef idx="minor">
+            <a:schemeClr val="lt1"/>
+          </a:fontRef>
+        </p:style>
+        <p:txBody>
+          <a:bodyPr rtlCol="0" anchor="ctr"/>
+          <a:lstStyle/>
+          <a:p>
+            <a:pPr algn="ctr"/>
+            <a:endParaRPr lang="en-SI"/>
+          </a:p>
+        </p:txBody>
+      </p:sp>
+      <p:sp>
+        <p:nvSpPr>
+          <p:cNvPr id="10" name="Rectangle 9">
+            <a:extLst>
+              <a:ext uri="{FF2B5EF4-FFF2-40B4-BE49-F238E27FC236}">
+                <a16:creationId xmlns:a16="http://schemas.microsoft.com/office/drawing/2014/main" id="{4A538189-D0E7-41C6-BD7A-B55F2E5E22CB}"/>
+              </a:ext>
+            </a:extLst>
+          </p:cNvPr>
+          <p:cNvSpPr/>
+          <p:nvPr userDrawn="1"/>
+        </p:nvSpPr>
+        <p:spPr>
+          <a:xfrm>
+            <a:off x="-58420" y="1611725"/>
+            <a:ext cx="12301220" cy="56832"/>
+          </a:xfrm>
+          <a:prstGeom prst="rect">
+            <a:avLst/>
+          </a:prstGeom>
+          <a:solidFill>
+            <a:srgbClr val="00FF00">
+              <a:alpha val="50000"/>
+            </a:srgbClr>
+          </a:solidFill>
+          <a:ln>
+            <a:noFill/>
+          </a:ln>
+        </p:spPr>
+        <p:style>
+          <a:lnRef idx="2">
+            <a:schemeClr val="accent1">
+              <a:shade val="50000"/>
+            </a:schemeClr>
+          </a:lnRef>
+          <a:fillRef idx="1">
+            <a:schemeClr val="accent1"/>
+          </a:fillRef>
+          <a:effectRef idx="0">
+            <a:schemeClr val="accent1"/>
+          </a:effectRef>
+          <a:fontRef idx="minor">
+            <a:schemeClr val="lt1"/>
+          </a:fontRef>
+        </p:style>
+        <p:txBody>
+          <a:bodyPr rtlCol="0" anchor="ctr"/>
+          <a:lstStyle/>
+          <a:p>
+            <a:pPr algn="ctr"/>
+            <a:endParaRPr lang="en-SI"/>
+          </a:p>
+        </p:txBody>
+      </p:sp>
+      <p:sp>
+        <p:nvSpPr>
+          <p:cNvPr id="11" name="Rectangle 10">
+            <a:extLst>
+              <a:ext uri="{FF2B5EF4-FFF2-40B4-BE49-F238E27FC236}">
+                <a16:creationId xmlns:a16="http://schemas.microsoft.com/office/drawing/2014/main" id="{9B35BF9D-F9B4-420D-B784-6A48DFFD1F7F}"/>
+              </a:ext>
+            </a:extLst>
+          </p:cNvPr>
+          <p:cNvSpPr/>
+          <p:nvPr userDrawn="1"/>
+        </p:nvSpPr>
+        <p:spPr>
+          <a:xfrm>
+            <a:off x="-58420" y="1709197"/>
+            <a:ext cx="12301220" cy="56832"/>
+          </a:xfrm>
+          <a:prstGeom prst="rect">
+            <a:avLst/>
+          </a:prstGeom>
+          <a:solidFill>
+            <a:srgbClr val="FA0000">
+              <a:alpha val="50000"/>
+            </a:srgbClr>
+          </a:solidFill>
+          <a:ln>
+            <a:noFill/>
+          </a:ln>
+        </p:spPr>
+        <p:style>
+          <a:lnRef idx="2">
+            <a:schemeClr val="accent1">
+              <a:shade val="50000"/>
+            </a:schemeClr>
+          </a:lnRef>
+          <a:fillRef idx="1">
+            <a:schemeClr val="accent1"/>
+          </a:fillRef>
+          <a:effectRef idx="0">
+            <a:schemeClr val="accent1"/>
+          </a:effectRef>
+          <a:fontRef idx="minor">
+            <a:schemeClr val="lt1"/>
+          </a:fontRef>
+        </p:style>
+        <p:txBody>
+          <a:bodyPr rtlCol="0" anchor="ctr"/>
+          <a:lstStyle/>
+          <a:p>
+            <a:pPr algn="ctr"/>
+            <a:endParaRPr lang="en-SI" dirty="0"/>
           </a:p>
         </p:txBody>
       </p:sp>
@@ -934,7 +1319,7 @@
     </p:extLst>
   </p:cSld>
   <p:clrMapOvr>
-    <a:masterClrMapping/>
+    <a:overrideClrMapping bg1="dk1" tx1="lt1" bg2="dk2" tx2="lt2" accent1="accent1" accent2="accent2" accent3="accent3" accent4="accent4" accent5="accent5" accent6="accent6" hlink="hlink" folHlink="folHlink"/>
   </p:clrMapOvr>
 </p:sldLayout>
 </file>
@@ -1142,7 +1527,7 @@
           <a:p>
             <a:fld id="{F133FE99-EF32-4208-98DD-697D8B8FAF36}" type="datetimeFigureOut">
               <a:rPr lang="en-SI" smtClean="0"/>
-              <a:t>13/04/2022</a:t>
+              <a:t>24/04/2022</a:t>
             </a:fld>
             <a:endParaRPr lang="en-SI"/>
           </a:p>
@@ -1410,7 +1795,7 @@
           <a:p>
             <a:fld id="{F133FE99-EF32-4208-98DD-697D8B8FAF36}" type="datetimeFigureOut">
               <a:rPr lang="en-SI" smtClean="0"/>
-              <a:t>13/04/2022</a:t>
+              <a:t>24/04/2022</a:t>
             </a:fld>
             <a:endParaRPr lang="en-SI"/>
           </a:p>
@@ -1825,7 +2210,7 @@
           <a:p>
             <a:fld id="{F133FE99-EF32-4208-98DD-697D8B8FAF36}" type="datetimeFigureOut">
               <a:rPr lang="en-SI" smtClean="0"/>
-              <a:t>13/04/2022</a:t>
+              <a:t>24/04/2022</a:t>
             </a:fld>
             <a:endParaRPr lang="en-SI"/>
           </a:p>
@@ -1967,7 +2352,7 @@
           <a:p>
             <a:fld id="{F133FE99-EF32-4208-98DD-697D8B8FAF36}" type="datetimeFigureOut">
               <a:rPr lang="en-SI" smtClean="0"/>
-              <a:t>13/04/2022</a:t>
+              <a:t>24/04/2022</a:t>
             </a:fld>
             <a:endParaRPr lang="en-SI"/>
           </a:p>
@@ -2080,7 +2465,7 @@
           <a:p>
             <a:fld id="{F133FE99-EF32-4208-98DD-697D8B8FAF36}" type="datetimeFigureOut">
               <a:rPr lang="en-SI" smtClean="0"/>
-              <a:t>13/04/2022</a:t>
+              <a:t>24/04/2022</a:t>
             </a:fld>
             <a:endParaRPr lang="en-SI"/>
           </a:p>
@@ -2393,7 +2778,7 @@
           <a:p>
             <a:fld id="{F133FE99-EF32-4208-98DD-697D8B8FAF36}" type="datetimeFigureOut">
               <a:rPr lang="en-SI" smtClean="0"/>
-              <a:t>13/04/2022</a:t>
+              <a:t>24/04/2022</a:t>
             </a:fld>
             <a:endParaRPr lang="en-SI"/>
           </a:p>
@@ -2682,7 +3067,7 @@
           <a:p>
             <a:fld id="{F133FE99-EF32-4208-98DD-697D8B8FAF36}" type="datetimeFigureOut">
               <a:rPr lang="en-SI" smtClean="0"/>
-              <a:t>13/04/2022</a:t>
+              <a:t>24/04/2022</a:t>
             </a:fld>
             <a:endParaRPr lang="en-SI"/>
           </a:p>
@@ -2925,7 +3310,7 @@
           <a:p>
             <a:fld id="{F133FE99-EF32-4208-98DD-697D8B8FAF36}" type="datetimeFigureOut">
               <a:rPr lang="en-SI" smtClean="0"/>
-              <a:t>13/04/2022</a:t>
+              <a:t>24/04/2022</a:t>
             </a:fld>
             <a:endParaRPr lang="en-SI"/>
           </a:p>
@@ -3364,27 +3749,29 @@
           <a:lstStyle/>
           <a:p>
             <a:r>
-              <a:rPr lang="en-US" dirty="0" err="1"/>
-              <a:t>Maturitetna</a:t>
-            </a:r>
-            <a:r>
-              <a:rPr lang="en-US" dirty="0"/>
-              <a:t> </a:t>
-            </a:r>
-            <a:r>
-              <a:rPr lang="en-US"/>
-              <a:t>seminarska</a:t>
-            </a:r>
-            <a:endParaRPr lang="en-SI"/>
-          </a:p>
-        </p:txBody>
-      </p:sp>
-      <p:sp>
-        <p:nvSpPr>
-          <p:cNvPr id="3" name="Subtitle 2">
-            <a:extLst>
-              <a:ext uri="{FF2B5EF4-FFF2-40B4-BE49-F238E27FC236}">
-                <a16:creationId xmlns:a16="http://schemas.microsoft.com/office/drawing/2014/main" id="{D8DBC0A1-1100-4EE8-AE0D-FFF39057DC41}"/>
+              <a:rPr lang="en-US" b="1" dirty="0">
+                <a:latin typeface="Montserrat" pitchFamily="2" charset="0"/>
+              </a:rPr>
+              <a:t>Poti po </a:t>
+            </a:r>
+            <a:r>
+              <a:rPr lang="en-US" b="1" dirty="0" err="1">
+                <a:latin typeface="Montserrat" pitchFamily="2" charset="0"/>
+              </a:rPr>
+              <a:t>mreži</a:t>
+            </a:r>
+            <a:endParaRPr lang="en-SI" b="1" dirty="0">
+              <a:latin typeface="Montserrat" pitchFamily="2" charset="0"/>
+            </a:endParaRPr>
+          </a:p>
+        </p:txBody>
+      </p:sp>
+      <p:sp>
+        <p:nvSpPr>
+          <p:cNvPr id="5" name="Subtitle 4">
+            <a:extLst>
+              <a:ext uri="{FF2B5EF4-FFF2-40B4-BE49-F238E27FC236}">
+                <a16:creationId xmlns:a16="http://schemas.microsoft.com/office/drawing/2014/main" id="{67D34234-D8D9-424C-8328-DD8701A20E5F}"/>
               </a:ext>
             </a:extLst>
           </p:cNvPr>
@@ -3395,19 +3782,2863 @@
             <p:ph type="subTitle" idx="1"/>
           </p:nvPr>
         </p:nvSpPr>
-        <p:spPr/>
-        <p:txBody>
-          <a:bodyPr/>
-          <a:lstStyle/>
-          <a:p>
-            <a:endParaRPr lang="en-SI"/>
-          </a:p>
-        </p:txBody>
-      </p:sp>
+        <p:spPr>
+          <a:xfrm>
+            <a:off x="1524000" y="3602038"/>
+            <a:ext cx="9144000" cy="3255962"/>
+          </a:xfrm>
+        </p:spPr>
+        <p:txBody>
+          <a:bodyPr>
+            <a:normAutofit/>
+          </a:bodyPr>
+          <a:lstStyle/>
+          <a:p>
+            <a:r>
+              <a:rPr lang="en-US" dirty="0" err="1">
+                <a:latin typeface="Arial" panose="020B0604020202020204" pitchFamily="34" charset="0"/>
+                <a:cs typeface="Arial" panose="020B0604020202020204" pitchFamily="34" charset="0"/>
+              </a:rPr>
+              <a:t>Predmet</a:t>
+            </a:r>
+            <a:r>
+              <a:rPr lang="en-US" dirty="0">
+                <a:latin typeface="Arial" panose="020B0604020202020204" pitchFamily="34" charset="0"/>
+                <a:cs typeface="Arial" panose="020B0604020202020204" pitchFamily="34" charset="0"/>
+              </a:rPr>
+              <a:t>: </a:t>
+            </a:r>
+            <a:r>
+              <a:rPr lang="en-US" dirty="0" err="1">
+                <a:latin typeface="Arial" panose="020B0604020202020204" pitchFamily="34" charset="0"/>
+                <a:cs typeface="Arial" panose="020B0604020202020204" pitchFamily="34" charset="0"/>
+              </a:rPr>
+              <a:t>Računalništvo</a:t>
+            </a:r>
+            <a:endParaRPr lang="en-US" dirty="0">
+              <a:latin typeface="Arial" panose="020B0604020202020204" pitchFamily="34" charset="0"/>
+              <a:cs typeface="Arial" panose="020B0604020202020204" pitchFamily="34" charset="0"/>
+            </a:endParaRPr>
+          </a:p>
+          <a:p>
+            <a:r>
+              <a:rPr lang="sl-SI" dirty="0">
+                <a:latin typeface="Arial" panose="020B0604020202020204" pitchFamily="34" charset="0"/>
+                <a:cs typeface="Arial" panose="020B0604020202020204" pitchFamily="34" charset="0"/>
+              </a:rPr>
+              <a:t>Avtor: Nik Jenič T4b</a:t>
+            </a:r>
+          </a:p>
+          <a:p>
+            <a:r>
+              <a:rPr lang="sl-SI" dirty="0">
+                <a:latin typeface="Arial" panose="020B0604020202020204" pitchFamily="34" charset="0"/>
+                <a:cs typeface="Arial" panose="020B0604020202020204" pitchFamily="34" charset="0"/>
+              </a:rPr>
+              <a:t>Mentor: Gregor Mede, univ. dipl. inž. rač. in inf.</a:t>
+            </a:r>
+          </a:p>
+          <a:p>
+            <a:endParaRPr lang="sl-SI" dirty="0">
+              <a:latin typeface="Arial" panose="020B0604020202020204" pitchFamily="34" charset="0"/>
+              <a:cs typeface="Arial" panose="020B0604020202020204" pitchFamily="34" charset="0"/>
+            </a:endParaRPr>
+          </a:p>
+          <a:p>
+            <a:endParaRPr lang="sl-SI" dirty="0">
+              <a:latin typeface="Arial" panose="020B0604020202020204" pitchFamily="34" charset="0"/>
+              <a:cs typeface="Arial" panose="020B0604020202020204" pitchFamily="34" charset="0"/>
+            </a:endParaRPr>
+          </a:p>
+          <a:p>
+            <a:endParaRPr lang="sl-SI" dirty="0">
+              <a:latin typeface="Arial" panose="020B0604020202020204" pitchFamily="34" charset="0"/>
+              <a:cs typeface="Arial" panose="020B0604020202020204" pitchFamily="34" charset="0"/>
+            </a:endParaRPr>
+          </a:p>
+          <a:p>
+            <a:r>
+              <a:rPr lang="sl-SI" dirty="0">
+                <a:latin typeface="Arial" panose="020B0604020202020204" pitchFamily="34" charset="0"/>
+                <a:cs typeface="Arial" panose="020B0604020202020204" pitchFamily="34" charset="0"/>
+              </a:rPr>
+              <a:t>Novo mesto, april 2022</a:t>
+            </a:r>
+          </a:p>
+        </p:txBody>
+      </p:sp>
+      <p:pic>
+        <p:nvPicPr>
+          <p:cNvPr id="7" name="Picture 6" descr="A picture containing text, clipart&#10;&#10;Description automatically generated">
+            <a:extLst>
+              <a:ext uri="{FF2B5EF4-FFF2-40B4-BE49-F238E27FC236}">
+                <a16:creationId xmlns:a16="http://schemas.microsoft.com/office/drawing/2014/main" id="{C5E61EE6-0284-48A1-851A-451F1D52EB34}"/>
+              </a:ext>
+            </a:extLst>
+          </p:cNvPr>
+          <p:cNvPicPr>
+            <a:picLocks noChangeAspect="1"/>
+          </p:cNvPicPr>
+          <p:nvPr/>
+        </p:nvPicPr>
+        <p:blipFill>
+          <a:blip r:embed="rId2">
+            <a:alphaModFix amt="35000"/>
+            <a:extLst>
+              <a:ext uri="{28A0092B-C50C-407E-A947-70E740481C1C}">
+                <a14:useLocalDpi xmlns:a14="http://schemas.microsoft.com/office/drawing/2010/main" val="0"/>
+              </a:ext>
+            </a:extLst>
+          </a:blip>
+          <a:stretch>
+            <a:fillRect/>
+          </a:stretch>
+        </p:blipFill>
+        <p:spPr>
+          <a:xfrm>
+            <a:off x="162560" y="177800"/>
+            <a:ext cx="1219200" cy="1219200"/>
+          </a:xfrm>
+          <a:prstGeom prst="rect">
+            <a:avLst/>
+          </a:prstGeom>
+        </p:spPr>
+      </p:pic>
     </p:spTree>
     <p:extLst>
       <p:ext uri="{BB962C8B-B14F-4D97-AF65-F5344CB8AC3E}">
         <p14:creationId xmlns:p14="http://schemas.microsoft.com/office/powerpoint/2010/main" val="1893647175"/>
+      </p:ext>
+    </p:extLst>
+  </p:cSld>
+  <p:clrMapOvr>
+    <a:masterClrMapping/>
+  </p:clrMapOvr>
+</p:sld>
+</file>
+
+<file path=ppt/slides/slide10.xml><?xml version="1.0" encoding="utf-8"?>
+<p:sld xmlns:a="http://schemas.openxmlformats.org/drawingml/2006/main" xmlns:r="http://schemas.openxmlformats.org/officeDocument/2006/relationships" xmlns:p="http://schemas.openxmlformats.org/presentationml/2006/main">
+  <p:cSld>
+    <p:spTree>
+      <p:nvGrpSpPr>
+        <p:cNvPr id="1" name=""/>
+        <p:cNvGrpSpPr/>
+        <p:nvPr/>
+      </p:nvGrpSpPr>
+      <p:grpSpPr>
+        <a:xfrm>
+          <a:off x="0" y="0"/>
+          <a:ext cx="0" cy="0"/>
+          <a:chOff x="0" y="0"/>
+          <a:chExt cx="0" cy="0"/>
+        </a:xfrm>
+      </p:grpSpPr>
+      <p:sp>
+        <p:nvSpPr>
+          <p:cNvPr id="2" name="Title 1">
+            <a:extLst>
+              <a:ext uri="{FF2B5EF4-FFF2-40B4-BE49-F238E27FC236}">
+                <a16:creationId xmlns:a16="http://schemas.microsoft.com/office/drawing/2014/main" id="{25017B06-9A79-407D-991F-321B5C961798}"/>
+              </a:ext>
+            </a:extLst>
+          </p:cNvPr>
+          <p:cNvSpPr>
+            <a:spLocks noGrp="1"/>
+          </p:cNvSpPr>
+          <p:nvPr>
+            <p:ph type="title"/>
+          </p:nvPr>
+        </p:nvSpPr>
+        <p:spPr/>
+        <p:txBody>
+          <a:bodyPr/>
+          <a:lstStyle/>
+          <a:p>
+            <a:r>
+              <a:rPr lang="en-US" dirty="0" err="1"/>
+              <a:t>Prilagoditveno</a:t>
+            </a:r>
+            <a:r>
+              <a:rPr lang="en-US" dirty="0"/>
+              <a:t> </a:t>
+            </a:r>
+            <a:r>
+              <a:rPr lang="en-US" dirty="0" err="1"/>
+              <a:t>okno</a:t>
+            </a:r>
+            <a:endParaRPr lang="sl-SI" dirty="0"/>
+          </a:p>
+        </p:txBody>
+      </p:sp>
+      <p:sp>
+        <p:nvSpPr>
+          <p:cNvPr id="3" name="Content Placeholder 2">
+            <a:extLst>
+              <a:ext uri="{FF2B5EF4-FFF2-40B4-BE49-F238E27FC236}">
+                <a16:creationId xmlns:a16="http://schemas.microsoft.com/office/drawing/2014/main" id="{5DE42E68-9E16-48B8-A698-343DA1246F08}"/>
+              </a:ext>
+            </a:extLst>
+          </p:cNvPr>
+          <p:cNvSpPr>
+            <a:spLocks noGrp="1"/>
+          </p:cNvSpPr>
+          <p:nvPr>
+            <p:ph idx="1"/>
+          </p:nvPr>
+        </p:nvSpPr>
+        <p:spPr/>
+        <p:txBody>
+          <a:bodyPr/>
+          <a:lstStyle/>
+          <a:p>
+            <a:r>
+              <a:rPr lang="en-US" dirty="0" err="1"/>
+              <a:t>JFrame</a:t>
+            </a:r>
+            <a:endParaRPr lang="en-US" dirty="0"/>
+          </a:p>
+          <a:p>
+            <a:endParaRPr lang="en-US" dirty="0"/>
+          </a:p>
+          <a:p>
+            <a:endParaRPr lang="en-US" dirty="0"/>
+          </a:p>
+          <a:p>
+            <a:endParaRPr lang="en-US" dirty="0"/>
+          </a:p>
+          <a:p>
+            <a:endParaRPr lang="en-US" dirty="0"/>
+          </a:p>
+          <a:p>
+            <a:endParaRPr lang="en-US" dirty="0"/>
+          </a:p>
+          <a:p>
+            <a:endParaRPr lang="en-US" dirty="0"/>
+          </a:p>
+          <a:p>
+            <a:pPr marL="0" indent="0">
+              <a:buNone/>
+            </a:pPr>
+            <a:r>
+              <a:rPr lang="en-US" dirty="0"/>
+              <a:t>(15,19)</a:t>
+            </a:r>
+          </a:p>
+          <a:p>
+            <a:endParaRPr lang="sl-SI" dirty="0"/>
+          </a:p>
+        </p:txBody>
+      </p:sp>
+      <p:pic>
+        <p:nvPicPr>
+          <p:cNvPr id="5" name="Picture 4">
+            <a:extLst>
+              <a:ext uri="{FF2B5EF4-FFF2-40B4-BE49-F238E27FC236}">
+                <a16:creationId xmlns:a16="http://schemas.microsoft.com/office/drawing/2014/main" id="{C7B1EEEE-993D-4F65-B95F-34D4E3266A49}"/>
+              </a:ext>
+            </a:extLst>
+          </p:cNvPr>
+          <p:cNvPicPr>
+            <a:picLocks noChangeAspect="1"/>
+          </p:cNvPicPr>
+          <p:nvPr/>
+        </p:nvPicPr>
+        <p:blipFill>
+          <a:blip r:embed="rId2"/>
+          <a:stretch>
+            <a:fillRect/>
+          </a:stretch>
+        </p:blipFill>
+        <p:spPr>
+          <a:xfrm>
+            <a:off x="3842357" y="1825625"/>
+            <a:ext cx="7511443" cy="326584"/>
+          </a:xfrm>
+          <a:prstGeom prst="rect">
+            <a:avLst/>
+          </a:prstGeom>
+        </p:spPr>
+      </p:pic>
+    </p:spTree>
+    <p:extLst>
+      <p:ext uri="{BB962C8B-B14F-4D97-AF65-F5344CB8AC3E}">
+        <p14:creationId xmlns:p14="http://schemas.microsoft.com/office/powerpoint/2010/main" val="3762718292"/>
+      </p:ext>
+    </p:extLst>
+  </p:cSld>
+  <p:clrMapOvr>
+    <a:masterClrMapping/>
+  </p:clrMapOvr>
+</p:sld>
+</file>
+
+<file path=ppt/slides/slide11.xml><?xml version="1.0" encoding="utf-8"?>
+<p:sld xmlns:a="http://schemas.openxmlformats.org/drawingml/2006/main" xmlns:r="http://schemas.openxmlformats.org/officeDocument/2006/relationships" xmlns:p="http://schemas.openxmlformats.org/presentationml/2006/main">
+  <p:cSld>
+    <p:spTree>
+      <p:nvGrpSpPr>
+        <p:cNvPr id="1" name=""/>
+        <p:cNvGrpSpPr/>
+        <p:nvPr/>
+      </p:nvGrpSpPr>
+      <p:grpSpPr>
+        <a:xfrm>
+          <a:off x="0" y="0"/>
+          <a:ext cx="0" cy="0"/>
+          <a:chOff x="0" y="0"/>
+          <a:chExt cx="0" cy="0"/>
+        </a:xfrm>
+      </p:grpSpPr>
+      <p:sp>
+        <p:nvSpPr>
+          <p:cNvPr id="2" name="Title 1">
+            <a:extLst>
+              <a:ext uri="{FF2B5EF4-FFF2-40B4-BE49-F238E27FC236}">
+                <a16:creationId xmlns:a16="http://schemas.microsoft.com/office/drawing/2014/main" id="{574C97C3-984E-471A-8746-7645CB41B548}"/>
+              </a:ext>
+            </a:extLst>
+          </p:cNvPr>
+          <p:cNvSpPr>
+            <a:spLocks noGrp="1"/>
+          </p:cNvSpPr>
+          <p:nvPr>
+            <p:ph type="title"/>
+          </p:nvPr>
+        </p:nvSpPr>
+        <p:spPr/>
+        <p:txBody>
+          <a:bodyPr/>
+          <a:lstStyle/>
+          <a:p>
+            <a:r>
+              <a:rPr lang="en-US" dirty="0" err="1"/>
+              <a:t>Uporaba</a:t>
+            </a:r>
+            <a:r>
+              <a:rPr lang="en-US" dirty="0"/>
+              <a:t> </a:t>
+            </a:r>
+            <a:r>
+              <a:rPr lang="en-US" dirty="0" err="1"/>
+              <a:t>programa</a:t>
+            </a:r>
+            <a:endParaRPr lang="sl-SI" dirty="0"/>
+          </a:p>
+        </p:txBody>
+      </p:sp>
+      <p:sp>
+        <p:nvSpPr>
+          <p:cNvPr id="3" name="Content Placeholder 2">
+            <a:extLst>
+              <a:ext uri="{FF2B5EF4-FFF2-40B4-BE49-F238E27FC236}">
+                <a16:creationId xmlns:a16="http://schemas.microsoft.com/office/drawing/2014/main" id="{C5108370-9231-449E-A101-D2AB7F9BB6A4}"/>
+              </a:ext>
+            </a:extLst>
+          </p:cNvPr>
+          <p:cNvSpPr>
+            <a:spLocks noGrp="1"/>
+          </p:cNvSpPr>
+          <p:nvPr>
+            <p:ph idx="1"/>
+          </p:nvPr>
+        </p:nvSpPr>
+        <p:spPr/>
+        <p:txBody>
+          <a:bodyPr/>
+          <a:lstStyle/>
+          <a:p>
+            <a:endParaRPr lang="sl-SI"/>
+          </a:p>
+        </p:txBody>
+      </p:sp>
+    </p:spTree>
+    <p:extLst>
+      <p:ext uri="{BB962C8B-B14F-4D97-AF65-F5344CB8AC3E}">
+        <p14:creationId xmlns:p14="http://schemas.microsoft.com/office/powerpoint/2010/main" val="3372163579"/>
+      </p:ext>
+    </p:extLst>
+  </p:cSld>
+  <p:clrMapOvr>
+    <a:masterClrMapping/>
+  </p:clrMapOvr>
+</p:sld>
+</file>
+
+<file path=ppt/slides/slide12.xml><?xml version="1.0" encoding="utf-8"?>
+<p:sld xmlns:a="http://schemas.openxmlformats.org/drawingml/2006/main" xmlns:r="http://schemas.openxmlformats.org/officeDocument/2006/relationships" xmlns:p="http://schemas.openxmlformats.org/presentationml/2006/main">
+  <p:cSld>
+    <p:spTree>
+      <p:nvGrpSpPr>
+        <p:cNvPr id="1" name=""/>
+        <p:cNvGrpSpPr/>
+        <p:nvPr/>
+      </p:nvGrpSpPr>
+      <p:grpSpPr>
+        <a:xfrm>
+          <a:off x="0" y="0"/>
+          <a:ext cx="0" cy="0"/>
+          <a:chOff x="0" y="0"/>
+          <a:chExt cx="0" cy="0"/>
+        </a:xfrm>
+      </p:grpSpPr>
+      <p:sp>
+        <p:nvSpPr>
+          <p:cNvPr id="2" name="Title 1">
+            <a:extLst>
+              <a:ext uri="{FF2B5EF4-FFF2-40B4-BE49-F238E27FC236}">
+                <a16:creationId xmlns:a16="http://schemas.microsoft.com/office/drawing/2014/main" id="{4975843D-44E5-4244-A50D-740B8A46FED8}"/>
+              </a:ext>
+            </a:extLst>
+          </p:cNvPr>
+          <p:cNvSpPr>
+            <a:spLocks noGrp="1"/>
+          </p:cNvSpPr>
+          <p:nvPr>
+            <p:ph type="title"/>
+          </p:nvPr>
+        </p:nvSpPr>
+        <p:spPr/>
+        <p:txBody>
+          <a:bodyPr/>
+          <a:lstStyle/>
+          <a:p>
+            <a:r>
+              <a:rPr lang="en-US" dirty="0" err="1"/>
+              <a:t>Zaključek</a:t>
+            </a:r>
+            <a:endParaRPr lang="sl-SI" dirty="0"/>
+          </a:p>
+        </p:txBody>
+      </p:sp>
+      <p:sp>
+        <p:nvSpPr>
+          <p:cNvPr id="3" name="Content Placeholder 2">
+            <a:extLst>
+              <a:ext uri="{FF2B5EF4-FFF2-40B4-BE49-F238E27FC236}">
+                <a16:creationId xmlns:a16="http://schemas.microsoft.com/office/drawing/2014/main" id="{D27E9A8D-73B9-407B-8A56-75FCE8EA4F6D}"/>
+              </a:ext>
+            </a:extLst>
+          </p:cNvPr>
+          <p:cNvSpPr>
+            <a:spLocks noGrp="1"/>
+          </p:cNvSpPr>
+          <p:nvPr>
+            <p:ph idx="1"/>
+          </p:nvPr>
+        </p:nvSpPr>
+        <p:spPr/>
+        <p:txBody>
+          <a:bodyPr/>
+          <a:lstStyle/>
+          <a:p>
+            <a:r>
+              <a:rPr lang="en-US" dirty="0" err="1"/>
+              <a:t>Bolj</a:t>
+            </a:r>
+            <a:r>
+              <a:rPr lang="en-US" dirty="0"/>
+              <a:t> </a:t>
+            </a:r>
+            <a:r>
+              <a:rPr lang="en-US" dirty="0" err="1"/>
+              <a:t>optimizirana</a:t>
+            </a:r>
+            <a:r>
+              <a:rPr lang="en-US" dirty="0"/>
+              <a:t> </a:t>
+            </a:r>
+            <a:r>
+              <a:rPr lang="en-US" dirty="0" err="1"/>
+              <a:t>koda</a:t>
+            </a:r>
+            <a:endParaRPr lang="en-US" dirty="0"/>
+          </a:p>
+          <a:p>
+            <a:r>
+              <a:rPr lang="en-US" dirty="0" err="1"/>
+              <a:t>Več</a:t>
+            </a:r>
+            <a:r>
+              <a:rPr lang="en-US" dirty="0"/>
+              <a:t> </a:t>
+            </a:r>
+            <a:r>
+              <a:rPr lang="en-US" dirty="0" err="1"/>
+              <a:t>niti</a:t>
+            </a:r>
+            <a:r>
+              <a:rPr lang="en-US" dirty="0"/>
+              <a:t> </a:t>
+            </a:r>
+            <a:r>
+              <a:rPr lang="en-US" dirty="0" err="1"/>
+              <a:t>pri</a:t>
+            </a:r>
+            <a:r>
+              <a:rPr lang="en-US" dirty="0"/>
+              <a:t> </a:t>
+            </a:r>
+            <a:r>
+              <a:rPr lang="en-US" dirty="0" err="1"/>
+              <a:t>algoritmu</a:t>
+            </a:r>
+            <a:endParaRPr lang="en-US" dirty="0"/>
+          </a:p>
+          <a:p>
+            <a:r>
+              <a:rPr lang="en-US" dirty="0" err="1"/>
+              <a:t>Vgrajen</a:t>
+            </a:r>
+            <a:r>
+              <a:rPr lang="en-US" dirty="0"/>
+              <a:t> </a:t>
+            </a:r>
+            <a:r>
+              <a:rPr lang="en-US" dirty="0" err="1"/>
+              <a:t>BigInteger</a:t>
+            </a:r>
+            <a:endParaRPr lang="en-US" dirty="0"/>
+          </a:p>
+          <a:p>
+            <a:r>
+              <a:rPr lang="en-US" dirty="0" err="1"/>
+              <a:t>Poglobil</a:t>
+            </a:r>
+            <a:r>
+              <a:rPr lang="en-US" dirty="0"/>
+              <a:t> v </a:t>
+            </a:r>
+            <a:r>
+              <a:rPr lang="en-US" dirty="0" err="1"/>
+              <a:t>Javo</a:t>
+            </a:r>
+            <a:endParaRPr lang="en-US" dirty="0"/>
+          </a:p>
+          <a:p>
+            <a:endParaRPr lang="en-US" dirty="0"/>
+          </a:p>
+          <a:p>
+            <a:endParaRPr lang="en-US" dirty="0"/>
+          </a:p>
+          <a:p>
+            <a:endParaRPr lang="en-US" dirty="0"/>
+          </a:p>
+          <a:p>
+            <a:pPr marL="0" indent="0">
+              <a:buNone/>
+            </a:pPr>
+            <a:r>
+              <a:rPr lang="en-US"/>
+              <a:t>(20)</a:t>
+            </a:r>
+            <a:endParaRPr lang="sl-SI" dirty="0"/>
+          </a:p>
+        </p:txBody>
+      </p:sp>
+    </p:spTree>
+    <p:extLst>
+      <p:ext uri="{BB962C8B-B14F-4D97-AF65-F5344CB8AC3E}">
+        <p14:creationId xmlns:p14="http://schemas.microsoft.com/office/powerpoint/2010/main" val="2855562466"/>
+      </p:ext>
+    </p:extLst>
+  </p:cSld>
+  <p:clrMapOvr>
+    <a:masterClrMapping/>
+  </p:clrMapOvr>
+</p:sld>
+</file>
+
+<file path=ppt/slides/slide13.xml><?xml version="1.0" encoding="utf-8"?>
+<p:sld xmlns:a="http://schemas.openxmlformats.org/drawingml/2006/main" xmlns:r="http://schemas.openxmlformats.org/officeDocument/2006/relationships" xmlns:p="http://schemas.openxmlformats.org/presentationml/2006/main">
+  <p:cSld>
+    <p:spTree>
+      <p:nvGrpSpPr>
+        <p:cNvPr id="1" name=""/>
+        <p:cNvGrpSpPr/>
+        <p:nvPr/>
+      </p:nvGrpSpPr>
+      <p:grpSpPr>
+        <a:xfrm>
+          <a:off x="0" y="0"/>
+          <a:ext cx="0" cy="0"/>
+          <a:chOff x="0" y="0"/>
+          <a:chExt cx="0" cy="0"/>
+        </a:xfrm>
+      </p:grpSpPr>
+      <p:sp>
+        <p:nvSpPr>
+          <p:cNvPr id="2" name="Title 1">
+            <a:extLst>
+              <a:ext uri="{FF2B5EF4-FFF2-40B4-BE49-F238E27FC236}">
+                <a16:creationId xmlns:a16="http://schemas.microsoft.com/office/drawing/2014/main" id="{F8ADF742-EF55-4E78-ACE9-8D9FA1888646}"/>
+              </a:ext>
+            </a:extLst>
+          </p:cNvPr>
+          <p:cNvSpPr>
+            <a:spLocks noGrp="1"/>
+          </p:cNvSpPr>
+          <p:nvPr>
+            <p:ph type="title"/>
+          </p:nvPr>
+        </p:nvSpPr>
+        <p:spPr/>
+        <p:txBody>
+          <a:bodyPr/>
+          <a:lstStyle/>
+          <a:p>
+            <a:r>
+              <a:rPr lang="en-US" dirty="0" err="1"/>
+              <a:t>Zahvala</a:t>
+            </a:r>
+            <a:endParaRPr lang="sl-SI" dirty="0"/>
+          </a:p>
+        </p:txBody>
+      </p:sp>
+      <p:sp>
+        <p:nvSpPr>
+          <p:cNvPr id="3" name="Content Placeholder 2">
+            <a:extLst>
+              <a:ext uri="{FF2B5EF4-FFF2-40B4-BE49-F238E27FC236}">
+                <a16:creationId xmlns:a16="http://schemas.microsoft.com/office/drawing/2014/main" id="{93647C24-C8FD-431F-AC5E-EE1B7CE50179}"/>
+              </a:ext>
+            </a:extLst>
+          </p:cNvPr>
+          <p:cNvSpPr>
+            <a:spLocks noGrp="1"/>
+          </p:cNvSpPr>
+          <p:nvPr>
+            <p:ph idx="1"/>
+          </p:nvPr>
+        </p:nvSpPr>
+        <p:spPr/>
+        <p:txBody>
+          <a:bodyPr/>
+          <a:lstStyle/>
+          <a:p>
+            <a:r>
+              <a:rPr lang="en-US" dirty="0" err="1"/>
+              <a:t>Profesorju</a:t>
+            </a:r>
+            <a:endParaRPr lang="en-US" dirty="0"/>
+          </a:p>
+          <a:p>
+            <a:r>
+              <a:rPr lang="en-US" dirty="0" err="1"/>
+              <a:t>Prijateljem</a:t>
+            </a:r>
+            <a:r>
+              <a:rPr lang="en-US" dirty="0"/>
+              <a:t> in </a:t>
+            </a:r>
+            <a:r>
+              <a:rPr lang="en-US" dirty="0" err="1"/>
+              <a:t>družini</a:t>
+            </a:r>
+            <a:endParaRPr lang="sl-SI" dirty="0"/>
+          </a:p>
+        </p:txBody>
+      </p:sp>
+    </p:spTree>
+    <p:extLst>
+      <p:ext uri="{BB962C8B-B14F-4D97-AF65-F5344CB8AC3E}">
+        <p14:creationId xmlns:p14="http://schemas.microsoft.com/office/powerpoint/2010/main" val="181575607"/>
+      </p:ext>
+    </p:extLst>
+  </p:cSld>
+  <p:clrMapOvr>
+    <a:masterClrMapping/>
+  </p:clrMapOvr>
+</p:sld>
+</file>
+
+<file path=ppt/slides/slide14.xml><?xml version="1.0" encoding="utf-8"?>
+<p:sld xmlns:a="http://schemas.openxmlformats.org/drawingml/2006/main" xmlns:r="http://schemas.openxmlformats.org/officeDocument/2006/relationships" xmlns:p="http://schemas.openxmlformats.org/presentationml/2006/main">
+  <p:cSld>
+    <p:spTree>
+      <p:nvGrpSpPr>
+        <p:cNvPr id="1" name=""/>
+        <p:cNvGrpSpPr/>
+        <p:nvPr/>
+      </p:nvGrpSpPr>
+      <p:grpSpPr>
+        <a:xfrm>
+          <a:off x="0" y="0"/>
+          <a:ext cx="0" cy="0"/>
+          <a:chOff x="0" y="0"/>
+          <a:chExt cx="0" cy="0"/>
+        </a:xfrm>
+      </p:grpSpPr>
+      <p:sp>
+        <p:nvSpPr>
+          <p:cNvPr id="2" name="Title 1">
+            <a:extLst>
+              <a:ext uri="{FF2B5EF4-FFF2-40B4-BE49-F238E27FC236}">
+                <a16:creationId xmlns:a16="http://schemas.microsoft.com/office/drawing/2014/main" id="{E386328D-7051-4013-B61E-C7368369CB51}"/>
+              </a:ext>
+            </a:extLst>
+          </p:cNvPr>
+          <p:cNvSpPr>
+            <a:spLocks noGrp="1"/>
+          </p:cNvSpPr>
+          <p:nvPr>
+            <p:ph type="title"/>
+          </p:nvPr>
+        </p:nvSpPr>
+        <p:spPr/>
+        <p:txBody>
+          <a:bodyPr/>
+          <a:lstStyle/>
+          <a:p>
+            <a:r>
+              <a:rPr lang="en-US" dirty="0" err="1"/>
+              <a:t>Viri</a:t>
+            </a:r>
+            <a:endParaRPr lang="sl-SI" dirty="0"/>
+          </a:p>
+        </p:txBody>
+      </p:sp>
+      <p:sp>
+        <p:nvSpPr>
+          <p:cNvPr id="3" name="Content Placeholder 2">
+            <a:extLst>
+              <a:ext uri="{FF2B5EF4-FFF2-40B4-BE49-F238E27FC236}">
+                <a16:creationId xmlns:a16="http://schemas.microsoft.com/office/drawing/2014/main" id="{AE02B462-C978-4F5E-8082-FE3884A56672}"/>
+              </a:ext>
+            </a:extLst>
+          </p:cNvPr>
+          <p:cNvSpPr>
+            <a:spLocks noGrp="1" noRot="1" noMove="1" noResize="1" noEditPoints="1" noAdjustHandles="1" noChangeArrowheads="1" noChangeShapeType="1"/>
+          </p:cNvSpPr>
+          <p:nvPr>
+            <p:ph idx="1"/>
+          </p:nvPr>
+        </p:nvSpPr>
+        <p:spPr/>
+        <p:txBody>
+          <a:bodyPr>
+            <a:normAutofit lnSpcReduction="10000"/>
+          </a:bodyPr>
+          <a:lstStyle/>
+          <a:p>
+            <a:r>
+              <a:rPr lang="en-US" sz="2000" dirty="0"/>
+              <a:t>1: </a:t>
+            </a:r>
+            <a:r>
+              <a:rPr lang="en-US" sz="2000" dirty="0">
+                <a:hlinkClick r:id="rId2"/>
+              </a:rPr>
+              <a:t>https://projecteuler.net/</a:t>
+            </a:r>
+            <a:endParaRPr lang="en-US" sz="2000" dirty="0"/>
+          </a:p>
+          <a:p>
+            <a:r>
+              <a:rPr lang="en-US" sz="2000" dirty="0"/>
+              <a:t>2: </a:t>
+            </a:r>
+            <a:r>
+              <a:rPr lang="en-US" sz="2000" dirty="0">
+                <a:hlinkClick r:id="rId3"/>
+              </a:rPr>
+              <a:t>https://www.educative.io/</a:t>
+            </a:r>
+            <a:endParaRPr lang="en-US" sz="2000" dirty="0"/>
+          </a:p>
+          <a:p>
+            <a:r>
+              <a:rPr lang="en-US" sz="2000" dirty="0"/>
+              <a:t>3: </a:t>
+            </a:r>
+            <a:r>
+              <a:rPr lang="en-US" sz="2000" dirty="0">
+                <a:hlinkClick r:id="rId4"/>
+              </a:rPr>
+              <a:t>https://logoeps.com/</a:t>
+            </a:r>
+            <a:endParaRPr lang="en-US" sz="2000" dirty="0"/>
+          </a:p>
+          <a:p>
+            <a:r>
+              <a:rPr lang="en-US" sz="2000" dirty="0"/>
+              <a:t>4: </a:t>
+            </a:r>
+            <a:r>
+              <a:rPr lang="en-US" sz="2000" dirty="0">
+                <a:hlinkClick r:id="rId5"/>
+              </a:rPr>
+              <a:t>https://www.statista.com/</a:t>
+            </a:r>
+            <a:endParaRPr lang="en-US" sz="2000" dirty="0"/>
+          </a:p>
+          <a:p>
+            <a:r>
+              <a:rPr lang="en-US" sz="2000" dirty="0"/>
+              <a:t>5: </a:t>
+            </a:r>
+            <a:r>
+              <a:rPr lang="en-US" sz="2000" dirty="0">
+                <a:hlinkClick r:id="rId6"/>
+              </a:rPr>
+              <a:t>https://www.java.com/</a:t>
+            </a:r>
+            <a:endParaRPr lang="en-US" sz="2000" dirty="0"/>
+          </a:p>
+          <a:p>
+            <a:r>
+              <a:rPr lang="en-US" sz="2000" dirty="0"/>
+              <a:t>6: </a:t>
+            </a:r>
+            <a:r>
+              <a:rPr lang="en-US" sz="2000" dirty="0">
+                <a:hlinkClick r:id="rId7"/>
+              </a:rPr>
+              <a:t>https://studentski.net/</a:t>
+            </a:r>
+            <a:endParaRPr lang="en-US" sz="2000" dirty="0"/>
+          </a:p>
+          <a:p>
+            <a:r>
+              <a:rPr lang="en-US" sz="2000" dirty="0"/>
+              <a:t>7: </a:t>
+            </a:r>
+            <a:r>
+              <a:rPr lang="en-US" sz="2000" dirty="0">
+                <a:hlinkClick r:id="rId8"/>
+              </a:rPr>
+              <a:t>https://www.stackchief.com/</a:t>
+            </a:r>
+            <a:endParaRPr lang="en-US" sz="2000" dirty="0"/>
+          </a:p>
+          <a:p>
+            <a:r>
+              <a:rPr lang="en-US" sz="2000" dirty="0"/>
+              <a:t>8: </a:t>
+            </a:r>
+            <a:r>
+              <a:rPr lang="en-US" sz="2000" dirty="0">
+                <a:hlinkClick r:id="rId9"/>
+              </a:rPr>
+              <a:t>https://kafka.apache.org/</a:t>
+            </a:r>
+            <a:endParaRPr lang="en-US" sz="2000" dirty="0"/>
+          </a:p>
+          <a:p>
+            <a:r>
+              <a:rPr lang="en-US" sz="2000" dirty="0"/>
+              <a:t>9: </a:t>
+            </a:r>
+            <a:r>
+              <a:rPr lang="en-US" sz="2000" dirty="0">
+                <a:hlinkClick r:id="rId10"/>
+              </a:rPr>
+              <a:t>https://www.geeksforgeeks.org/</a:t>
+            </a:r>
+            <a:endParaRPr lang="en-US" sz="2000" dirty="0"/>
+          </a:p>
+          <a:p>
+            <a:r>
+              <a:rPr lang="en-US" sz="2000" dirty="0"/>
+              <a:t>10: </a:t>
+            </a:r>
+            <a:r>
+              <a:rPr lang="en-US" sz="2000" dirty="0">
+                <a:hlinkClick r:id="rId11"/>
+              </a:rPr>
+              <a:t>https://studentski.net/</a:t>
+            </a:r>
+            <a:endParaRPr lang="en-US" sz="2000" dirty="0"/>
+          </a:p>
+          <a:p>
+            <a:r>
+              <a:rPr lang="en-US" sz="2000" dirty="0"/>
+              <a:t>11: </a:t>
+            </a:r>
+            <a:r>
+              <a:rPr lang="en-US" sz="2000" dirty="0">
+                <a:hlinkClick r:id="rId12"/>
+              </a:rPr>
+              <a:t>https://www.geeksforgeeks.org/</a:t>
+            </a:r>
+            <a:endParaRPr lang="sl-SI" sz="2000" dirty="0"/>
+          </a:p>
+        </p:txBody>
+      </p:sp>
+    </p:spTree>
+    <p:extLst>
+      <p:ext uri="{BB962C8B-B14F-4D97-AF65-F5344CB8AC3E}">
+        <p14:creationId xmlns:p14="http://schemas.microsoft.com/office/powerpoint/2010/main" val="3561354923"/>
+      </p:ext>
+    </p:extLst>
+  </p:cSld>
+  <p:clrMapOvr>
+    <a:masterClrMapping/>
+  </p:clrMapOvr>
+</p:sld>
+</file>
+
+<file path=ppt/slides/slide15.xml><?xml version="1.0" encoding="utf-8"?>
+<p:sld xmlns:a="http://schemas.openxmlformats.org/drawingml/2006/main" xmlns:r="http://schemas.openxmlformats.org/officeDocument/2006/relationships" xmlns:p="http://schemas.openxmlformats.org/presentationml/2006/main">
+  <p:cSld>
+    <p:spTree>
+      <p:nvGrpSpPr>
+        <p:cNvPr id="1" name=""/>
+        <p:cNvGrpSpPr/>
+        <p:nvPr/>
+      </p:nvGrpSpPr>
+      <p:grpSpPr>
+        <a:xfrm>
+          <a:off x="0" y="0"/>
+          <a:ext cx="0" cy="0"/>
+          <a:chOff x="0" y="0"/>
+          <a:chExt cx="0" cy="0"/>
+        </a:xfrm>
+      </p:grpSpPr>
+      <p:sp>
+        <p:nvSpPr>
+          <p:cNvPr id="2" name="Title 1">
+            <a:extLst>
+              <a:ext uri="{FF2B5EF4-FFF2-40B4-BE49-F238E27FC236}">
+                <a16:creationId xmlns:a16="http://schemas.microsoft.com/office/drawing/2014/main" id="{E386328D-7051-4013-B61E-C7368369CB51}"/>
+              </a:ext>
+            </a:extLst>
+          </p:cNvPr>
+          <p:cNvSpPr>
+            <a:spLocks noGrp="1"/>
+          </p:cNvSpPr>
+          <p:nvPr>
+            <p:ph type="title"/>
+          </p:nvPr>
+        </p:nvSpPr>
+        <p:spPr/>
+        <p:txBody>
+          <a:bodyPr/>
+          <a:lstStyle/>
+          <a:p>
+            <a:r>
+              <a:rPr lang="en-US" dirty="0" err="1"/>
+              <a:t>Viri</a:t>
+            </a:r>
+            <a:endParaRPr lang="sl-SI" dirty="0"/>
+          </a:p>
+        </p:txBody>
+      </p:sp>
+      <p:sp>
+        <p:nvSpPr>
+          <p:cNvPr id="3" name="Content Placeholder 2">
+            <a:extLst>
+              <a:ext uri="{FF2B5EF4-FFF2-40B4-BE49-F238E27FC236}">
+                <a16:creationId xmlns:a16="http://schemas.microsoft.com/office/drawing/2014/main" id="{AE02B462-C978-4F5E-8082-FE3884A56672}"/>
+              </a:ext>
+            </a:extLst>
+          </p:cNvPr>
+          <p:cNvSpPr>
+            <a:spLocks noGrp="1"/>
+          </p:cNvSpPr>
+          <p:nvPr>
+            <p:ph idx="1"/>
+          </p:nvPr>
+        </p:nvSpPr>
+        <p:spPr/>
+        <p:txBody>
+          <a:bodyPr>
+            <a:normAutofit lnSpcReduction="10000"/>
+          </a:bodyPr>
+          <a:lstStyle/>
+          <a:p>
+            <a:r>
+              <a:rPr lang="en-US" sz="2000" dirty="0"/>
+              <a:t>12: </a:t>
+            </a:r>
+            <a:r>
+              <a:rPr lang="en-US" sz="2000" dirty="0">
+                <a:hlinkClick r:id="rId2"/>
+              </a:rPr>
+              <a:t>https://stackoverflow.com/</a:t>
+            </a:r>
+            <a:endParaRPr lang="en-US" sz="2000" dirty="0"/>
+          </a:p>
+          <a:p>
+            <a:r>
+              <a:rPr lang="en-US" sz="2000" dirty="0"/>
+              <a:t>13: </a:t>
+            </a:r>
+            <a:r>
+              <a:rPr lang="en-US" sz="2000" dirty="0">
+                <a:hlinkClick r:id="rId3"/>
+              </a:rPr>
+              <a:t>https://docs.oracle.com/</a:t>
+            </a:r>
+            <a:endParaRPr lang="en-US" sz="2000" dirty="0"/>
+          </a:p>
+          <a:p>
+            <a:r>
+              <a:rPr lang="en-US" sz="2000" dirty="0"/>
+              <a:t>14: </a:t>
+            </a:r>
+            <a:r>
+              <a:rPr lang="en-US" sz="2000" dirty="0">
+                <a:hlinkClick r:id="rId4"/>
+              </a:rPr>
+              <a:t>https://stackoverflow.com/</a:t>
+            </a:r>
+            <a:endParaRPr lang="en-US" sz="2000" dirty="0"/>
+          </a:p>
+          <a:p>
+            <a:r>
+              <a:rPr lang="en-US" sz="2000" dirty="0"/>
+              <a:t>15: </a:t>
+            </a:r>
+            <a:r>
+              <a:rPr lang="en-US" sz="2000" dirty="0">
+                <a:hlinkClick r:id="rId5"/>
+              </a:rPr>
+              <a:t>https://www.youtube.com/ - Bro Code</a:t>
+            </a:r>
+            <a:endParaRPr lang="en-US" sz="2000" dirty="0"/>
+          </a:p>
+          <a:p>
+            <a:r>
+              <a:rPr lang="en-US" sz="2000" dirty="0"/>
+              <a:t>16: </a:t>
+            </a:r>
+            <a:r>
+              <a:rPr lang="en-US" sz="2000" dirty="0">
+                <a:hlinkClick r:id="rId6"/>
+              </a:rPr>
+              <a:t>https://www.w3schools.com/java/</a:t>
+            </a:r>
+            <a:endParaRPr lang="en-US" sz="2000" dirty="0"/>
+          </a:p>
+          <a:p>
+            <a:r>
+              <a:rPr lang="en-US" sz="2000" dirty="0"/>
+              <a:t>17: </a:t>
+            </a:r>
+            <a:r>
+              <a:rPr lang="en-US" sz="2000" dirty="0">
+                <a:hlinkClick r:id="rId7"/>
+              </a:rPr>
+              <a:t>https://www.javatpoint.com/java-tutorial</a:t>
+            </a:r>
+            <a:endParaRPr lang="en-US" sz="2000" dirty="0"/>
+          </a:p>
+          <a:p>
+            <a:r>
+              <a:rPr lang="en-US" sz="2000" dirty="0"/>
+              <a:t>18: </a:t>
+            </a:r>
+            <a:r>
+              <a:rPr lang="en-US" sz="2000" dirty="0">
+                <a:hlinkClick r:id="rId8"/>
+              </a:rPr>
+              <a:t>https://www.rapidtables.com/</a:t>
+            </a:r>
+            <a:endParaRPr lang="en-US" sz="2000" dirty="0"/>
+          </a:p>
+          <a:p>
+            <a:r>
+              <a:rPr lang="en-US" sz="2000" dirty="0"/>
+              <a:t>19: </a:t>
+            </a:r>
+            <a:r>
+              <a:rPr lang="en-US" sz="2000" dirty="0">
+                <a:hlinkClick r:id="rId9"/>
+              </a:rPr>
+              <a:t>https://stackoverflow.com/</a:t>
+            </a:r>
+            <a:endParaRPr lang="en-US" sz="2000" dirty="0"/>
+          </a:p>
+          <a:p>
+            <a:r>
+              <a:rPr lang="en-US" sz="2000" dirty="0"/>
+              <a:t>20: </a:t>
+            </a:r>
+            <a:r>
+              <a:rPr lang="en-US" sz="2000" dirty="0">
+                <a:hlinkClick r:id="rId9"/>
+              </a:rPr>
+              <a:t>https://stackoverflow.com/</a:t>
+            </a:r>
+            <a:endParaRPr lang="en-US" sz="2000" dirty="0"/>
+          </a:p>
+          <a:p>
+            <a:r>
+              <a:rPr lang="en-US" sz="2000" dirty="0"/>
+              <a:t>21: </a:t>
+            </a:r>
+            <a:r>
+              <a:rPr lang="en-US" sz="2000" dirty="0">
+                <a:hlinkClick r:id="rId10"/>
+              </a:rPr>
+              <a:t>https://www.youtube.com/ - Linus Tech Tips</a:t>
+            </a:r>
+            <a:endParaRPr lang="en-US" sz="2000" dirty="0"/>
+          </a:p>
+          <a:p>
+            <a:r>
+              <a:rPr lang="en-US" sz="2000" dirty="0"/>
+              <a:t>22: </a:t>
+            </a:r>
+            <a:r>
+              <a:rPr lang="en-US" sz="2000" dirty="0" err="1"/>
+              <a:t>Izvorna</a:t>
+            </a:r>
+            <a:r>
+              <a:rPr lang="en-US" sz="2000" dirty="0"/>
+              <a:t> </a:t>
+            </a:r>
+            <a:r>
+              <a:rPr lang="en-US" sz="2000" dirty="0" err="1"/>
+              <a:t>koda</a:t>
+            </a:r>
+            <a:r>
+              <a:rPr lang="en-US" sz="2000" dirty="0"/>
+              <a:t>: </a:t>
+            </a:r>
+            <a:r>
+              <a:rPr lang="en-US" sz="2000" dirty="0">
+                <a:hlinkClick r:id="rId11"/>
+              </a:rPr>
+              <a:t>https://github.com/nik1178/LatticePaths</a:t>
+            </a:r>
+            <a:endParaRPr lang="en-US" sz="2000" dirty="0"/>
+          </a:p>
+        </p:txBody>
+      </p:sp>
+    </p:spTree>
+    <p:extLst>
+      <p:ext uri="{BB962C8B-B14F-4D97-AF65-F5344CB8AC3E}">
+        <p14:creationId xmlns:p14="http://schemas.microsoft.com/office/powerpoint/2010/main" val="886820337"/>
+      </p:ext>
+    </p:extLst>
+  </p:cSld>
+  <p:clrMapOvr>
+    <a:masterClrMapping/>
+  </p:clrMapOvr>
+</p:sld>
+</file>
+
+<file path=ppt/slides/slide2.xml><?xml version="1.0" encoding="utf-8"?>
+<p:sld xmlns:a="http://schemas.openxmlformats.org/drawingml/2006/main" xmlns:r="http://schemas.openxmlformats.org/officeDocument/2006/relationships" xmlns:p="http://schemas.openxmlformats.org/presentationml/2006/main">
+  <p:cSld>
+    <p:spTree>
+      <p:nvGrpSpPr>
+        <p:cNvPr id="1" name=""/>
+        <p:cNvGrpSpPr/>
+        <p:nvPr/>
+      </p:nvGrpSpPr>
+      <p:grpSpPr>
+        <a:xfrm>
+          <a:off x="0" y="0"/>
+          <a:ext cx="0" cy="0"/>
+          <a:chOff x="0" y="0"/>
+          <a:chExt cx="0" cy="0"/>
+        </a:xfrm>
+      </p:grpSpPr>
+      <p:sp>
+        <p:nvSpPr>
+          <p:cNvPr id="2" name="Title 1">
+            <a:extLst>
+              <a:ext uri="{FF2B5EF4-FFF2-40B4-BE49-F238E27FC236}">
+                <a16:creationId xmlns:a16="http://schemas.microsoft.com/office/drawing/2014/main" id="{5CDC05EC-E5FB-491B-B269-84C953D8B364}"/>
+              </a:ext>
+            </a:extLst>
+          </p:cNvPr>
+          <p:cNvSpPr>
+            <a:spLocks noGrp="1"/>
+          </p:cNvSpPr>
+          <p:nvPr>
+            <p:ph type="title"/>
+          </p:nvPr>
+        </p:nvSpPr>
+        <p:spPr/>
+        <p:txBody>
+          <a:bodyPr/>
+          <a:lstStyle/>
+          <a:p>
+            <a:r>
+              <a:rPr lang="en-US" dirty="0"/>
+              <a:t>Project Euler in </a:t>
+            </a:r>
+            <a:r>
+              <a:rPr lang="en-US" dirty="0" err="1"/>
+              <a:t>naloga</a:t>
+            </a:r>
+            <a:endParaRPr lang="en-SI" dirty="0"/>
+          </a:p>
+        </p:txBody>
+      </p:sp>
+      <p:sp>
+        <p:nvSpPr>
+          <p:cNvPr id="3" name="Content Placeholder 2">
+            <a:extLst>
+              <a:ext uri="{FF2B5EF4-FFF2-40B4-BE49-F238E27FC236}">
+                <a16:creationId xmlns:a16="http://schemas.microsoft.com/office/drawing/2014/main" id="{E5EA8572-08BE-445B-9B1C-24A0979FF788}"/>
+              </a:ext>
+            </a:extLst>
+          </p:cNvPr>
+          <p:cNvSpPr>
+            <a:spLocks noGrp="1"/>
+          </p:cNvSpPr>
+          <p:nvPr>
+            <p:ph idx="1"/>
+          </p:nvPr>
+        </p:nvSpPr>
+        <p:spPr/>
+        <p:txBody>
+          <a:bodyPr/>
+          <a:lstStyle/>
+          <a:p>
+            <a:r>
+              <a:rPr lang="sl-SI" dirty="0"/>
+              <a:t>Programersko razmišljanje</a:t>
+            </a:r>
+          </a:p>
+          <a:p>
+            <a:r>
+              <a:rPr lang="sl-SI" dirty="0"/>
+              <a:t>Problem 15</a:t>
+            </a:r>
+            <a:endParaRPr lang="en-US" dirty="0"/>
+          </a:p>
+          <a:p>
+            <a:r>
+              <a:rPr lang="en-US" dirty="0" err="1"/>
+              <a:t>Učenje</a:t>
+            </a:r>
+            <a:r>
+              <a:rPr lang="en-US" dirty="0"/>
+              <a:t> </a:t>
+            </a:r>
+            <a:r>
+              <a:rPr lang="en-US" dirty="0" err="1"/>
+              <a:t>grafike</a:t>
+            </a:r>
+            <a:r>
+              <a:rPr lang="en-US" dirty="0"/>
+              <a:t> v </a:t>
+            </a:r>
+            <a:r>
+              <a:rPr lang="en-US" dirty="0" err="1"/>
+              <a:t>Javi</a:t>
+            </a:r>
+            <a:endParaRPr lang="en-US" dirty="0"/>
+          </a:p>
+          <a:p>
+            <a:endParaRPr lang="en-US" dirty="0"/>
+          </a:p>
+          <a:p>
+            <a:endParaRPr lang="en-US" dirty="0"/>
+          </a:p>
+          <a:p>
+            <a:endParaRPr lang="en-US" dirty="0"/>
+          </a:p>
+          <a:p>
+            <a:endParaRPr lang="en-US" dirty="0"/>
+          </a:p>
+          <a:p>
+            <a:pPr marL="0" indent="0">
+              <a:buNone/>
+            </a:pPr>
+            <a:r>
+              <a:rPr lang="en-US" dirty="0"/>
+              <a:t>(1,2)</a:t>
+            </a:r>
+            <a:endParaRPr lang="sl-SI" dirty="0"/>
+          </a:p>
+        </p:txBody>
+      </p:sp>
+      <p:pic>
+        <p:nvPicPr>
+          <p:cNvPr id="5" name="Picture 4">
+            <a:extLst>
+              <a:ext uri="{FF2B5EF4-FFF2-40B4-BE49-F238E27FC236}">
+                <a16:creationId xmlns:a16="http://schemas.microsoft.com/office/drawing/2014/main" id="{B6FCC78D-EAA0-4D83-A6C0-FA27883D3877}"/>
+              </a:ext>
+            </a:extLst>
+          </p:cNvPr>
+          <p:cNvPicPr>
+            <a:picLocks noChangeAspect="1"/>
+          </p:cNvPicPr>
+          <p:nvPr/>
+        </p:nvPicPr>
+        <p:blipFill>
+          <a:blip r:embed="rId2"/>
+          <a:stretch>
+            <a:fillRect/>
+          </a:stretch>
+        </p:blipFill>
+        <p:spPr>
+          <a:xfrm>
+            <a:off x="7664484" y="2184221"/>
+            <a:ext cx="4280984" cy="3210739"/>
+          </a:xfrm>
+          <a:prstGeom prst="rect">
+            <a:avLst/>
+          </a:prstGeom>
+        </p:spPr>
+      </p:pic>
+      <p:sp>
+        <p:nvSpPr>
+          <p:cNvPr id="6" name="TextBox 5">
+            <a:extLst>
+              <a:ext uri="{FF2B5EF4-FFF2-40B4-BE49-F238E27FC236}">
+                <a16:creationId xmlns:a16="http://schemas.microsoft.com/office/drawing/2014/main" id="{1DE3FA2D-8E11-4721-A554-5E5F87507051}"/>
+              </a:ext>
+            </a:extLst>
+          </p:cNvPr>
+          <p:cNvSpPr txBox="1"/>
+          <p:nvPr/>
+        </p:nvSpPr>
+        <p:spPr>
+          <a:xfrm>
+            <a:off x="7664484" y="5390723"/>
+            <a:ext cx="1221205" cy="523220"/>
+          </a:xfrm>
+          <a:prstGeom prst="rect">
+            <a:avLst/>
+          </a:prstGeom>
+          <a:noFill/>
+        </p:spPr>
+        <p:txBody>
+          <a:bodyPr wrap="square" rtlCol="0">
+            <a:spAutoFit/>
+          </a:bodyPr>
+          <a:lstStyle/>
+          <a:p>
+            <a:r>
+              <a:rPr lang="en-US" sz="2800" dirty="0"/>
+              <a:t>(1)</a:t>
+            </a:r>
+            <a:endParaRPr lang="sl-SI" sz="2800" dirty="0"/>
+          </a:p>
+        </p:txBody>
+      </p:sp>
+    </p:spTree>
+    <p:extLst>
+      <p:ext uri="{BB962C8B-B14F-4D97-AF65-F5344CB8AC3E}">
+        <p14:creationId xmlns:p14="http://schemas.microsoft.com/office/powerpoint/2010/main" val="815897403"/>
+      </p:ext>
+    </p:extLst>
+  </p:cSld>
+  <p:clrMapOvr>
+    <a:masterClrMapping/>
+  </p:clrMapOvr>
+</p:sld>
+</file>
+
+<file path=ppt/slides/slide3.xml><?xml version="1.0" encoding="utf-8"?>
+<p:sld xmlns:a="http://schemas.openxmlformats.org/drawingml/2006/main" xmlns:r="http://schemas.openxmlformats.org/officeDocument/2006/relationships" xmlns:p="http://schemas.openxmlformats.org/presentationml/2006/main">
+  <p:cSld>
+    <p:spTree>
+      <p:nvGrpSpPr>
+        <p:cNvPr id="1" name=""/>
+        <p:cNvGrpSpPr/>
+        <p:nvPr/>
+      </p:nvGrpSpPr>
+      <p:grpSpPr>
+        <a:xfrm>
+          <a:off x="0" y="0"/>
+          <a:ext cx="0" cy="0"/>
+          <a:chOff x="0" y="0"/>
+          <a:chExt cx="0" cy="0"/>
+        </a:xfrm>
+      </p:grpSpPr>
+      <p:sp>
+        <p:nvSpPr>
+          <p:cNvPr id="2" name="Title 1">
+            <a:extLst>
+              <a:ext uri="{FF2B5EF4-FFF2-40B4-BE49-F238E27FC236}">
+                <a16:creationId xmlns:a16="http://schemas.microsoft.com/office/drawing/2014/main" id="{DF08699C-CA7E-4487-BBEE-4716060521CA}"/>
+              </a:ext>
+            </a:extLst>
+          </p:cNvPr>
+          <p:cNvSpPr>
+            <a:spLocks noGrp="1"/>
+          </p:cNvSpPr>
+          <p:nvPr>
+            <p:ph type="title"/>
+          </p:nvPr>
+        </p:nvSpPr>
+        <p:spPr/>
+        <p:txBody>
+          <a:bodyPr/>
+          <a:lstStyle/>
+          <a:p>
+            <a:r>
+              <a:rPr lang="en-US" dirty="0" err="1"/>
+              <a:t>Programski</a:t>
+            </a:r>
+            <a:r>
+              <a:rPr lang="en-US" dirty="0"/>
+              <a:t> </a:t>
+            </a:r>
+            <a:r>
+              <a:rPr lang="en-US" dirty="0" err="1"/>
+              <a:t>jezik</a:t>
+            </a:r>
+            <a:r>
+              <a:rPr lang="en-US" dirty="0"/>
+              <a:t> </a:t>
+            </a:r>
+            <a:r>
+              <a:rPr lang="sl-SI" dirty="0"/>
+              <a:t>Java</a:t>
+            </a:r>
+          </a:p>
+        </p:txBody>
+      </p:sp>
+      <p:sp>
+        <p:nvSpPr>
+          <p:cNvPr id="3" name="Content Placeholder 2">
+            <a:extLst>
+              <a:ext uri="{FF2B5EF4-FFF2-40B4-BE49-F238E27FC236}">
+                <a16:creationId xmlns:a16="http://schemas.microsoft.com/office/drawing/2014/main" id="{1F4616D2-91EB-4C0A-8EAA-8AECE5B81E03}"/>
+              </a:ext>
+            </a:extLst>
+          </p:cNvPr>
+          <p:cNvSpPr>
+            <a:spLocks noGrp="1"/>
+          </p:cNvSpPr>
+          <p:nvPr>
+            <p:ph idx="1"/>
+          </p:nvPr>
+        </p:nvSpPr>
+        <p:spPr/>
+        <p:txBody>
+          <a:bodyPr/>
+          <a:lstStyle/>
+          <a:p>
+            <a:r>
+              <a:rPr lang="en-US" dirty="0" err="1"/>
+              <a:t>Zanesljiv</a:t>
+            </a:r>
+            <a:endParaRPr lang="en-US" dirty="0"/>
+          </a:p>
+          <a:p>
+            <a:r>
+              <a:rPr lang="en-US" dirty="0" err="1"/>
+              <a:t>Preprosta</a:t>
+            </a:r>
+            <a:r>
+              <a:rPr lang="en-US" dirty="0"/>
+              <a:t> </a:t>
+            </a:r>
+            <a:r>
+              <a:rPr lang="en-US" dirty="0" err="1"/>
+              <a:t>grafika</a:t>
+            </a:r>
+            <a:endParaRPr lang="en-US" dirty="0"/>
+          </a:p>
+          <a:p>
+            <a:r>
+              <a:rPr lang="en-US" dirty="0"/>
+              <a:t>“</a:t>
+            </a:r>
+            <a:r>
+              <a:rPr lang="en-US" dirty="0" err="1"/>
+              <a:t>Piši</a:t>
+            </a:r>
+            <a:r>
+              <a:rPr lang="en-US" dirty="0"/>
+              <a:t> </a:t>
+            </a:r>
+            <a:r>
+              <a:rPr lang="en-US" dirty="0" err="1"/>
+              <a:t>enkrat</a:t>
+            </a:r>
+            <a:r>
+              <a:rPr lang="en-US" dirty="0"/>
+              <a:t>, </a:t>
+            </a:r>
+            <a:r>
+              <a:rPr lang="en-US" dirty="0" err="1"/>
+              <a:t>poženi</a:t>
+            </a:r>
+            <a:r>
+              <a:rPr lang="en-US" dirty="0"/>
+              <a:t> </a:t>
+            </a:r>
+            <a:r>
+              <a:rPr lang="en-US" dirty="0" err="1"/>
+              <a:t>kjerkoli</a:t>
+            </a:r>
+            <a:r>
+              <a:rPr lang="en-US" dirty="0"/>
+              <a:t>”</a:t>
+            </a:r>
+          </a:p>
+          <a:p>
+            <a:r>
+              <a:rPr lang="en-US" dirty="0"/>
+              <a:t>Dobro </a:t>
+            </a:r>
+            <a:r>
+              <a:rPr lang="en-US" dirty="0" err="1"/>
+              <a:t>dokumentiran</a:t>
+            </a:r>
+            <a:endParaRPr lang="en-US" dirty="0"/>
+          </a:p>
+          <a:p>
+            <a:endParaRPr lang="en-US" dirty="0"/>
+          </a:p>
+          <a:p>
+            <a:endParaRPr lang="en-US" dirty="0"/>
+          </a:p>
+          <a:p>
+            <a:endParaRPr lang="en-US" dirty="0"/>
+          </a:p>
+          <a:p>
+            <a:pPr marL="0" indent="0">
+              <a:buNone/>
+            </a:pPr>
+            <a:r>
+              <a:rPr lang="en-US" dirty="0"/>
+              <a:t>(4-10)</a:t>
+            </a:r>
+          </a:p>
+        </p:txBody>
+      </p:sp>
+      <p:pic>
+        <p:nvPicPr>
+          <p:cNvPr id="1026" name="Picture 2" descr="Java (.EPS) vector logo">
+            <a:extLst>
+              <a:ext uri="{FF2B5EF4-FFF2-40B4-BE49-F238E27FC236}">
+                <a16:creationId xmlns:a16="http://schemas.microsoft.com/office/drawing/2014/main" id="{A6119A89-B1E3-4790-AE5F-4A505C6B4E27}"/>
+              </a:ext>
+            </a:extLst>
+          </p:cNvPr>
+          <p:cNvPicPr>
+            <a:picLocks noChangeAspect="1" noChangeArrowheads="1"/>
+          </p:cNvPicPr>
+          <p:nvPr/>
+        </p:nvPicPr>
+        <p:blipFill>
+          <a:blip r:embed="rId2">
+            <a:extLst>
+              <a:ext uri="{28A0092B-C50C-407E-A947-70E740481C1C}">
+                <a14:useLocalDpi xmlns:a14="http://schemas.microsoft.com/office/drawing/2010/main" val="0"/>
+              </a:ext>
+            </a:extLst>
+          </a:blip>
+          <a:srcRect/>
+          <a:stretch>
+            <a:fillRect/>
+          </a:stretch>
+        </p:blipFill>
+        <p:spPr bwMode="auto">
+          <a:xfrm>
+            <a:off x="8221394" y="1770185"/>
+            <a:ext cx="3810000" cy="3810000"/>
+          </a:xfrm>
+          <a:prstGeom prst="rect">
+            <a:avLst/>
+          </a:prstGeom>
+          <a:noFill/>
+          <a:extLst>
+            <a:ext uri="{909E8E84-426E-40DD-AFC4-6F175D3DCCD1}">
+              <a14:hiddenFill xmlns:a14="http://schemas.microsoft.com/office/drawing/2010/main">
+                <a:solidFill>
+                  <a:srgbClr val="FFFFFF"/>
+                </a:solidFill>
+              </a14:hiddenFill>
+            </a:ext>
+          </a:extLst>
+        </p:spPr>
+      </p:pic>
+      <p:sp>
+        <p:nvSpPr>
+          <p:cNvPr id="4" name="TextBox 3">
+            <a:extLst>
+              <a:ext uri="{FF2B5EF4-FFF2-40B4-BE49-F238E27FC236}">
+                <a16:creationId xmlns:a16="http://schemas.microsoft.com/office/drawing/2014/main" id="{68627666-CE5D-49BA-A294-65455AFC9A10}"/>
+              </a:ext>
+            </a:extLst>
+          </p:cNvPr>
+          <p:cNvSpPr txBox="1"/>
+          <p:nvPr/>
+        </p:nvSpPr>
+        <p:spPr>
+          <a:xfrm>
+            <a:off x="9210173" y="5437059"/>
+            <a:ext cx="1275348" cy="523220"/>
+          </a:xfrm>
+          <a:prstGeom prst="rect">
+            <a:avLst/>
+          </a:prstGeom>
+          <a:noFill/>
+        </p:spPr>
+        <p:txBody>
+          <a:bodyPr wrap="square" rtlCol="0">
+            <a:spAutoFit/>
+          </a:bodyPr>
+          <a:lstStyle/>
+          <a:p>
+            <a:r>
+              <a:rPr lang="en-US" sz="2800" dirty="0"/>
+              <a:t>(3)</a:t>
+            </a:r>
+            <a:endParaRPr lang="sl-SI" sz="2800" dirty="0"/>
+          </a:p>
+        </p:txBody>
+      </p:sp>
+    </p:spTree>
+    <p:extLst>
+      <p:ext uri="{BB962C8B-B14F-4D97-AF65-F5344CB8AC3E}">
+        <p14:creationId xmlns:p14="http://schemas.microsoft.com/office/powerpoint/2010/main" val="386081897"/>
+      </p:ext>
+    </p:extLst>
+  </p:cSld>
+  <p:clrMapOvr>
+    <a:masterClrMapping/>
+  </p:clrMapOvr>
+</p:sld>
+</file>
+
+<file path=ppt/slides/slide4.xml><?xml version="1.0" encoding="utf-8"?>
+<p:sld xmlns:a="http://schemas.openxmlformats.org/drawingml/2006/main" xmlns:r="http://schemas.openxmlformats.org/officeDocument/2006/relationships" xmlns:p="http://schemas.openxmlformats.org/presentationml/2006/main">
+  <p:cSld>
+    <p:spTree>
+      <p:nvGrpSpPr>
+        <p:cNvPr id="1" name=""/>
+        <p:cNvGrpSpPr/>
+        <p:nvPr/>
+      </p:nvGrpSpPr>
+      <p:grpSpPr>
+        <a:xfrm>
+          <a:off x="0" y="0"/>
+          <a:ext cx="0" cy="0"/>
+          <a:chOff x="0" y="0"/>
+          <a:chExt cx="0" cy="0"/>
+        </a:xfrm>
+      </p:grpSpPr>
+      <p:sp>
+        <p:nvSpPr>
+          <p:cNvPr id="2" name="Title 1">
+            <a:extLst>
+              <a:ext uri="{FF2B5EF4-FFF2-40B4-BE49-F238E27FC236}">
+                <a16:creationId xmlns:a16="http://schemas.microsoft.com/office/drawing/2014/main" id="{DB32F839-AF18-44C6-A56B-C74E95EE512D}"/>
+              </a:ext>
+            </a:extLst>
+          </p:cNvPr>
+          <p:cNvSpPr>
+            <a:spLocks noGrp="1"/>
+          </p:cNvSpPr>
+          <p:nvPr>
+            <p:ph type="title"/>
+          </p:nvPr>
+        </p:nvSpPr>
+        <p:spPr/>
+        <p:txBody>
+          <a:bodyPr/>
+          <a:lstStyle/>
+          <a:p>
+            <a:r>
+              <a:rPr lang="en-US" dirty="0" err="1"/>
+              <a:t>Končni</a:t>
+            </a:r>
+            <a:r>
+              <a:rPr lang="en-US" dirty="0"/>
+              <a:t> </a:t>
+            </a:r>
+            <a:r>
+              <a:rPr lang="en-US" dirty="0" err="1"/>
+              <a:t>izdelek</a:t>
+            </a:r>
+            <a:endParaRPr lang="sl-SI" dirty="0"/>
+          </a:p>
+        </p:txBody>
+      </p:sp>
+      <p:sp>
+        <p:nvSpPr>
+          <p:cNvPr id="3" name="Content Placeholder 2">
+            <a:extLst>
+              <a:ext uri="{FF2B5EF4-FFF2-40B4-BE49-F238E27FC236}">
+                <a16:creationId xmlns:a16="http://schemas.microsoft.com/office/drawing/2014/main" id="{4141E912-9DD1-4523-99B2-0FA51A906A12}"/>
+              </a:ext>
+            </a:extLst>
+          </p:cNvPr>
+          <p:cNvSpPr>
+            <a:spLocks noGrp="1"/>
+          </p:cNvSpPr>
+          <p:nvPr>
+            <p:ph idx="1"/>
+          </p:nvPr>
+        </p:nvSpPr>
+        <p:spPr/>
+        <p:txBody>
+          <a:bodyPr/>
+          <a:lstStyle/>
+          <a:p>
+            <a:r>
+              <a:rPr lang="en-US" dirty="0" err="1"/>
+              <a:t>Prilagodljivost</a:t>
+            </a:r>
+            <a:endParaRPr lang="en-US" dirty="0"/>
+          </a:p>
+          <a:p>
+            <a:r>
+              <a:rPr lang="en-US" dirty="0" err="1"/>
+              <a:t>Mreža</a:t>
+            </a:r>
+            <a:endParaRPr lang="en-US" dirty="0"/>
+          </a:p>
+          <a:p>
+            <a:r>
+              <a:rPr lang="en-US" dirty="0" err="1"/>
+              <a:t>Praktičnost</a:t>
+            </a:r>
+            <a:endParaRPr lang="sl-SI" dirty="0"/>
+          </a:p>
+        </p:txBody>
+      </p:sp>
+      <p:sp>
+        <p:nvSpPr>
+          <p:cNvPr id="4" name="Rectangle 3">
+            <a:extLst>
+              <a:ext uri="{FF2B5EF4-FFF2-40B4-BE49-F238E27FC236}">
+                <a16:creationId xmlns:a16="http://schemas.microsoft.com/office/drawing/2014/main" id="{FA94FE64-3421-43B2-8172-D4696ADF6E78}"/>
+              </a:ext>
+            </a:extLst>
+          </p:cNvPr>
+          <p:cNvSpPr/>
+          <p:nvPr/>
+        </p:nvSpPr>
+        <p:spPr>
+          <a:xfrm>
+            <a:off x="9745579" y="1383632"/>
+            <a:ext cx="1112921" cy="649705"/>
+          </a:xfrm>
+          <a:prstGeom prst="rect">
+            <a:avLst/>
+          </a:prstGeom>
+          <a:solidFill>
+            <a:srgbClr val="212121"/>
+          </a:solidFill>
+          <a:ln>
+            <a:noFill/>
+          </a:ln>
+        </p:spPr>
+        <p:style>
+          <a:lnRef idx="2">
+            <a:schemeClr val="accent1">
+              <a:shade val="50000"/>
+            </a:schemeClr>
+          </a:lnRef>
+          <a:fillRef idx="1">
+            <a:schemeClr val="accent1"/>
+          </a:fillRef>
+          <a:effectRef idx="0">
+            <a:schemeClr val="accent1"/>
+          </a:effectRef>
+          <a:fontRef idx="minor">
+            <a:schemeClr val="lt1"/>
+          </a:fontRef>
+        </p:style>
+        <p:txBody>
+          <a:bodyPr rtlCol="0" anchor="ctr"/>
+          <a:lstStyle/>
+          <a:p>
+            <a:pPr algn="ctr"/>
+            <a:endParaRPr lang="sl-SI"/>
+          </a:p>
+        </p:txBody>
+      </p:sp>
+      <p:pic>
+        <p:nvPicPr>
+          <p:cNvPr id="5" name="Picture 4">
+            <a:extLst>
+              <a:ext uri="{FF2B5EF4-FFF2-40B4-BE49-F238E27FC236}">
+                <a16:creationId xmlns:a16="http://schemas.microsoft.com/office/drawing/2014/main" id="{87573B74-C678-440B-81C5-0F3BA05055A4}"/>
+              </a:ext>
+            </a:extLst>
+          </p:cNvPr>
+          <p:cNvPicPr>
+            <a:picLocks noChangeAspect="1"/>
+          </p:cNvPicPr>
+          <p:nvPr/>
+        </p:nvPicPr>
+        <p:blipFill>
+          <a:blip r:embed="rId2">
+            <a:extLst>
+              <a:ext uri="{BEBA8EAE-BF5A-486C-A8C5-ECC9F3942E4B}">
+                <a14:imgProps xmlns:a14="http://schemas.microsoft.com/office/drawing/2010/main">
+                  <a14:imgLayer r:embed="rId3">
+                    <a14:imgEffect>
+                      <a14:backgroundRemoval t="1563" b="98438" l="109" r="97283">
+                        <a14:foregroundMark x1="77500" y1="11719" x2="84348" y2="50130"/>
+                        <a14:foregroundMark x1="84348" y1="50130" x2="84348" y2="50130"/>
+                        <a14:foregroundMark x1="81848" y1="94531" x2="93478" y2="74609"/>
+                        <a14:foregroundMark x1="93478" y1="74609" x2="96739" y2="23177"/>
+                        <a14:foregroundMark x1="96739" y1="23177" x2="93152" y2="8464"/>
+                        <a14:foregroundMark x1="93152" y1="8464" x2="84130" y2="4297"/>
+                        <a14:foregroundMark x1="84130" y1="4297" x2="83043" y2="4167"/>
+                        <a14:foregroundMark x1="77283" y1="4818" x2="91957" y2="20052"/>
+                        <a14:foregroundMark x1="80217" y1="1563" x2="93587" y2="4427"/>
+                        <a14:foregroundMark x1="98152" y1="2995" x2="97283" y2="95964"/>
+                        <a14:foregroundMark x1="97283" y1="95964" x2="79891" y2="98438"/>
+                        <a14:foregroundMark x1="70652" y1="2865" x2="40217" y2="5469"/>
+                        <a14:foregroundMark x1="40217" y1="5469" x2="23152" y2="20703"/>
+                        <a14:foregroundMark x1="23152" y1="20703" x2="23587" y2="32031"/>
+                        <a14:foregroundMark x1="23587" y1="32031" x2="10870" y2="28906"/>
+                        <a14:foregroundMark x1="10870" y1="28906" x2="4674" y2="24219"/>
+                        <a14:foregroundMark x1="4674" y1="24219" x2="16522" y2="41536"/>
+                        <a14:foregroundMark x1="16522" y1="41536" x2="21739" y2="63411"/>
+                        <a14:foregroundMark x1="21739" y1="63411" x2="12391" y2="80339"/>
+                        <a14:foregroundMark x1="12391" y1="80339" x2="20761" y2="87500"/>
+                        <a14:foregroundMark x1="20761" y1="87500" x2="56522" y2="96615"/>
+                        <a14:foregroundMark x1="56522" y1="96615" x2="57065" y2="95964"/>
+                        <a14:foregroundMark x1="11413" y1="58464" x2="109" y2="86589"/>
+                        <a14:foregroundMark x1="9891" y1="95443" x2="27500" y2="95703"/>
+                        <a14:foregroundMark x1="27500" y1="95703" x2="42826" y2="94661"/>
+                        <a14:foregroundMark x1="9457" y1="2865" x2="33370" y2="5469"/>
+                        <a14:foregroundMark x1="13913" y1="10026" x2="32826" y2="8333"/>
+                        <a14:foregroundMark x1="2065" y1="3776" x2="11196" y2="5078"/>
+                        <a14:foregroundMark x1="59565" y1="8333" x2="67283" y2="9115"/>
+                        <a14:foregroundMark x1="70956" y1="34896" x2="70435" y2="88672"/>
+                        <a14:foregroundMark x1="70962" y1="34245" x2="70956" y2="34896"/>
+                        <a14:foregroundMark x1="71196" y1="10156" x2="70962" y2="34245"/>
+                        <a14:foregroundMark x1="70435" y1="88672" x2="71276" y2="91948"/>
+                        <a14:foregroundMark x1="75217" y1="44661" x2="75543" y2="38542"/>
+                        <a14:foregroundMark x1="75000" y1="40625" x2="75326" y2="5990"/>
+                        <a14:foregroundMark x1="73879" y1="10970" x2="73913" y2="9245"/>
+                        <a14:foregroundMark x1="73804" y1="14714" x2="73817" y2="14043"/>
+                        <a14:backgroundMark x1="73719" y1="33594" x2="73478" y2="87109"/>
+                        <a14:backgroundMark x1="73725" y1="32256" x2="73723" y2="32759"/>
+                        <a14:backgroundMark x1="73804" y1="14844" x2="73727" y2="31836"/>
+                        <a14:backgroundMark x1="73152" y1="34896" x2="73152" y2="34896"/>
+                        <a14:backgroundMark x1="73152" y1="34245" x2="73152" y2="34245"/>
+                        <a14:backgroundMark x1="73152" y1="36328" x2="72806" y2="34049"/>
+                        <a14:backgroundMark x1="73043" y1="32813" x2="73043" y2="34115"/>
+                        <a14:backgroundMark x1="73696" y1="15885" x2="73913" y2="1563"/>
+                        <a14:backgroundMark x1="74130" y1="12891" x2="74348" y2="9245"/>
+                        <a14:backgroundMark x1="74130" y1="15495" x2="73913" y2="8464"/>
+                        <a14:backgroundMark x1="73587" y1="86979" x2="73587" y2="95052"/>
+                        <a14:backgroundMark x1="73587" y1="96615" x2="73261" y2="98828"/>
+                      </a14:backgroundRemoval>
+                    </a14:imgEffect>
+                  </a14:imgLayer>
+                </a14:imgProps>
+              </a:ext>
+            </a:extLst>
+          </a:blip>
+          <a:stretch>
+            <a:fillRect/>
+          </a:stretch>
+        </p:blipFill>
+        <p:spPr>
+          <a:xfrm>
+            <a:off x="5031040" y="164961"/>
+            <a:ext cx="7011008" cy="5852667"/>
+          </a:xfrm>
+          <a:prstGeom prst="rect">
+            <a:avLst/>
+          </a:prstGeom>
+          <a:ln w="57150">
+            <a:solidFill>
+              <a:srgbClr val="212121"/>
+            </a:solidFill>
+          </a:ln>
+        </p:spPr>
+      </p:pic>
+      <p:sp>
+        <p:nvSpPr>
+          <p:cNvPr id="6" name="TextBox 5">
+            <a:extLst>
+              <a:ext uri="{FF2B5EF4-FFF2-40B4-BE49-F238E27FC236}">
+                <a16:creationId xmlns:a16="http://schemas.microsoft.com/office/drawing/2014/main" id="{781B7058-C5DF-4A31-897A-44796DFBFD2E}"/>
+              </a:ext>
+            </a:extLst>
+          </p:cNvPr>
+          <p:cNvSpPr txBox="1"/>
+          <p:nvPr/>
+        </p:nvSpPr>
+        <p:spPr>
+          <a:xfrm>
+            <a:off x="5026208" y="6136356"/>
+            <a:ext cx="1069792" cy="523220"/>
+          </a:xfrm>
+          <a:prstGeom prst="rect">
+            <a:avLst/>
+          </a:prstGeom>
+          <a:noFill/>
+        </p:spPr>
+        <p:txBody>
+          <a:bodyPr wrap="square" rtlCol="0">
+            <a:spAutoFit/>
+          </a:bodyPr>
+          <a:lstStyle/>
+          <a:p>
+            <a:r>
+              <a:rPr lang="en-US" sz="2800" dirty="0"/>
+              <a:t>(22)</a:t>
+            </a:r>
+            <a:endParaRPr lang="sl-SI" sz="2800" dirty="0"/>
+          </a:p>
+        </p:txBody>
+      </p:sp>
+    </p:spTree>
+    <p:extLst>
+      <p:ext uri="{BB962C8B-B14F-4D97-AF65-F5344CB8AC3E}">
+        <p14:creationId xmlns:p14="http://schemas.microsoft.com/office/powerpoint/2010/main" val="2454699069"/>
+      </p:ext>
+    </p:extLst>
+  </p:cSld>
+  <p:clrMapOvr>
+    <a:masterClrMapping/>
+  </p:clrMapOvr>
+</p:sld>
+</file>
+
+<file path=ppt/slides/slide5.xml><?xml version="1.0" encoding="utf-8"?>
+<p:sld xmlns:a="http://schemas.openxmlformats.org/drawingml/2006/main" xmlns:r="http://schemas.openxmlformats.org/officeDocument/2006/relationships" xmlns:p="http://schemas.openxmlformats.org/presentationml/2006/main">
+  <p:cSld>
+    <p:spTree>
+      <p:nvGrpSpPr>
+        <p:cNvPr id="1" name=""/>
+        <p:cNvGrpSpPr/>
+        <p:nvPr/>
+      </p:nvGrpSpPr>
+      <p:grpSpPr>
+        <a:xfrm>
+          <a:off x="0" y="0"/>
+          <a:ext cx="0" cy="0"/>
+          <a:chOff x="0" y="0"/>
+          <a:chExt cx="0" cy="0"/>
+        </a:xfrm>
+      </p:grpSpPr>
+      <p:sp>
+        <p:nvSpPr>
+          <p:cNvPr id="2" name="Title 1">
+            <a:extLst>
+              <a:ext uri="{FF2B5EF4-FFF2-40B4-BE49-F238E27FC236}">
+                <a16:creationId xmlns:a16="http://schemas.microsoft.com/office/drawing/2014/main" id="{D6A7973D-C8A2-425B-AA27-87D9363A8D31}"/>
+              </a:ext>
+            </a:extLst>
+          </p:cNvPr>
+          <p:cNvSpPr>
+            <a:spLocks noGrp="1"/>
+          </p:cNvSpPr>
+          <p:nvPr>
+            <p:ph type="title"/>
+          </p:nvPr>
+        </p:nvSpPr>
+        <p:spPr/>
+        <p:txBody>
+          <a:bodyPr/>
+          <a:lstStyle/>
+          <a:p>
+            <a:r>
+              <a:rPr lang="en-US" dirty="0" err="1"/>
+              <a:t>Algoritem</a:t>
+            </a:r>
+            <a:endParaRPr lang="sl-SI" dirty="0"/>
+          </a:p>
+        </p:txBody>
+      </p:sp>
+      <p:sp>
+        <p:nvSpPr>
+          <p:cNvPr id="3" name="Content Placeholder 2">
+            <a:extLst>
+              <a:ext uri="{FF2B5EF4-FFF2-40B4-BE49-F238E27FC236}">
+                <a16:creationId xmlns:a16="http://schemas.microsoft.com/office/drawing/2014/main" id="{E0C56D86-7645-44F1-A149-7288A22A32F3}"/>
+              </a:ext>
+            </a:extLst>
+          </p:cNvPr>
+          <p:cNvSpPr>
+            <a:spLocks noGrp="1"/>
+          </p:cNvSpPr>
+          <p:nvPr>
+            <p:ph idx="1"/>
+          </p:nvPr>
+        </p:nvSpPr>
+        <p:spPr/>
+        <p:txBody>
+          <a:bodyPr/>
+          <a:lstStyle/>
+          <a:p>
+            <a:r>
+              <a:rPr lang="en-US" dirty="0" err="1"/>
+              <a:t>Rekurzivna</a:t>
+            </a:r>
+            <a:r>
+              <a:rPr lang="en-US" dirty="0"/>
+              <a:t> </a:t>
+            </a:r>
+            <a:r>
+              <a:rPr lang="en-US" dirty="0" err="1"/>
+              <a:t>metoda</a:t>
+            </a:r>
+            <a:endParaRPr lang="en-US" dirty="0"/>
+          </a:p>
+          <a:p>
+            <a:endParaRPr lang="en-US" dirty="0"/>
+          </a:p>
+          <a:p>
+            <a:endParaRPr lang="en-US" dirty="0"/>
+          </a:p>
+          <a:p>
+            <a:endParaRPr lang="en-US" dirty="0"/>
+          </a:p>
+          <a:p>
+            <a:endParaRPr lang="en-US" dirty="0"/>
+          </a:p>
+          <a:p>
+            <a:endParaRPr lang="en-US" dirty="0"/>
+          </a:p>
+          <a:p>
+            <a:endParaRPr lang="en-US" dirty="0"/>
+          </a:p>
+          <a:p>
+            <a:pPr marL="0" indent="0">
+              <a:buNone/>
+            </a:pPr>
+            <a:r>
+              <a:rPr lang="en-US" dirty="0"/>
+              <a:t>(11)</a:t>
+            </a:r>
+          </a:p>
+          <a:p>
+            <a:endParaRPr lang="en-US" dirty="0"/>
+          </a:p>
+          <a:p>
+            <a:endParaRPr lang="en-US" dirty="0"/>
+          </a:p>
+          <a:p>
+            <a:endParaRPr lang="en-US" dirty="0"/>
+          </a:p>
+          <a:p>
+            <a:endParaRPr lang="en-US" dirty="0"/>
+          </a:p>
+          <a:p>
+            <a:endParaRPr lang="en-US" dirty="0"/>
+          </a:p>
+          <a:p>
+            <a:endParaRPr lang="en-US" dirty="0"/>
+          </a:p>
+          <a:p>
+            <a:pPr marL="0" indent="0">
+              <a:buNone/>
+            </a:pPr>
+            <a:endParaRPr lang="sl-SI" dirty="0"/>
+          </a:p>
+        </p:txBody>
+      </p:sp>
+      <p:pic>
+        <p:nvPicPr>
+          <p:cNvPr id="6" name="Picture 5" descr="A screenshot of a computer&#10;&#10;Description automatically generated with medium confidence">
+            <a:extLst>
+              <a:ext uri="{FF2B5EF4-FFF2-40B4-BE49-F238E27FC236}">
+                <a16:creationId xmlns:a16="http://schemas.microsoft.com/office/drawing/2014/main" id="{7103927F-08E0-403E-BD41-4B597E85F501}"/>
+              </a:ext>
+            </a:extLst>
+          </p:cNvPr>
+          <p:cNvPicPr>
+            <a:picLocks noChangeAspect="1"/>
+          </p:cNvPicPr>
+          <p:nvPr/>
+        </p:nvPicPr>
+        <p:blipFill>
+          <a:blip r:embed="rId2"/>
+          <a:stretch>
+            <a:fillRect/>
+          </a:stretch>
+        </p:blipFill>
+        <p:spPr>
+          <a:xfrm>
+            <a:off x="5950634" y="2158333"/>
+            <a:ext cx="5965874" cy="3685922"/>
+          </a:xfrm>
+          <a:prstGeom prst="rect">
+            <a:avLst/>
+          </a:prstGeom>
+        </p:spPr>
+      </p:pic>
+      <p:sp>
+        <p:nvSpPr>
+          <p:cNvPr id="4" name="TextBox 3">
+            <a:extLst>
+              <a:ext uri="{FF2B5EF4-FFF2-40B4-BE49-F238E27FC236}">
+                <a16:creationId xmlns:a16="http://schemas.microsoft.com/office/drawing/2014/main" id="{A78EDDE3-6754-445F-AEC0-FADBDC127F0F}"/>
+              </a:ext>
+            </a:extLst>
+          </p:cNvPr>
+          <p:cNvSpPr txBox="1"/>
+          <p:nvPr/>
+        </p:nvSpPr>
+        <p:spPr>
+          <a:xfrm>
+            <a:off x="5950634" y="6009774"/>
+            <a:ext cx="1069792" cy="523220"/>
+          </a:xfrm>
+          <a:prstGeom prst="rect">
+            <a:avLst/>
+          </a:prstGeom>
+          <a:noFill/>
+        </p:spPr>
+        <p:txBody>
+          <a:bodyPr wrap="square" rtlCol="0">
+            <a:spAutoFit/>
+          </a:bodyPr>
+          <a:lstStyle/>
+          <a:p>
+            <a:r>
+              <a:rPr lang="en-US" sz="2800" dirty="0"/>
+              <a:t>(22)</a:t>
+            </a:r>
+            <a:endParaRPr lang="sl-SI" sz="2800" dirty="0"/>
+          </a:p>
+        </p:txBody>
+      </p:sp>
+    </p:spTree>
+    <p:extLst>
+      <p:ext uri="{BB962C8B-B14F-4D97-AF65-F5344CB8AC3E}">
+        <p14:creationId xmlns:p14="http://schemas.microsoft.com/office/powerpoint/2010/main" val="449691524"/>
+      </p:ext>
+    </p:extLst>
+  </p:cSld>
+  <p:clrMapOvr>
+    <a:masterClrMapping/>
+  </p:clrMapOvr>
+</p:sld>
+</file>
+
+<file path=ppt/slides/slide6.xml><?xml version="1.0" encoding="utf-8"?>
+<p:sld xmlns:a="http://schemas.openxmlformats.org/drawingml/2006/main" xmlns:r="http://schemas.openxmlformats.org/officeDocument/2006/relationships" xmlns:p="http://schemas.openxmlformats.org/presentationml/2006/main">
+  <p:cSld>
+    <p:spTree>
+      <p:nvGrpSpPr>
+        <p:cNvPr id="1" name=""/>
+        <p:cNvGrpSpPr/>
+        <p:nvPr/>
+      </p:nvGrpSpPr>
+      <p:grpSpPr>
+        <a:xfrm>
+          <a:off x="0" y="0"/>
+          <a:ext cx="0" cy="0"/>
+          <a:chOff x="0" y="0"/>
+          <a:chExt cx="0" cy="0"/>
+        </a:xfrm>
+      </p:grpSpPr>
+      <p:sp>
+        <p:nvSpPr>
+          <p:cNvPr id="2" name="Title 1">
+            <a:extLst>
+              <a:ext uri="{FF2B5EF4-FFF2-40B4-BE49-F238E27FC236}">
+                <a16:creationId xmlns:a16="http://schemas.microsoft.com/office/drawing/2014/main" id="{7EDFCE6C-4A7E-415D-A34D-D5A3995D66AD}"/>
+              </a:ext>
+            </a:extLst>
+          </p:cNvPr>
+          <p:cNvSpPr>
+            <a:spLocks noGrp="1"/>
+          </p:cNvSpPr>
+          <p:nvPr>
+            <p:ph type="title"/>
+          </p:nvPr>
+        </p:nvSpPr>
+        <p:spPr/>
+        <p:txBody>
+          <a:bodyPr/>
+          <a:lstStyle/>
+          <a:p>
+            <a:r>
+              <a:rPr lang="en-US" dirty="0" err="1"/>
+              <a:t>Okno</a:t>
+            </a:r>
+            <a:r>
+              <a:rPr lang="en-US" dirty="0"/>
+              <a:t> in </a:t>
+            </a:r>
+            <a:r>
+              <a:rPr lang="en-US" dirty="0" err="1"/>
+              <a:t>gumbi</a:t>
+            </a:r>
+            <a:endParaRPr lang="sl-SI" dirty="0"/>
+          </a:p>
+        </p:txBody>
+      </p:sp>
+      <p:sp>
+        <p:nvSpPr>
+          <p:cNvPr id="3" name="Content Placeholder 2">
+            <a:extLst>
+              <a:ext uri="{FF2B5EF4-FFF2-40B4-BE49-F238E27FC236}">
+                <a16:creationId xmlns:a16="http://schemas.microsoft.com/office/drawing/2014/main" id="{B8993883-8976-4B67-B36E-3718E04A2934}"/>
+              </a:ext>
+            </a:extLst>
+          </p:cNvPr>
+          <p:cNvSpPr>
+            <a:spLocks noGrp="1"/>
+          </p:cNvSpPr>
+          <p:nvPr>
+            <p:ph idx="1"/>
+          </p:nvPr>
+        </p:nvSpPr>
+        <p:spPr/>
+        <p:txBody>
+          <a:bodyPr/>
+          <a:lstStyle/>
+          <a:p>
+            <a:r>
+              <a:rPr lang="en-US" dirty="0" err="1"/>
+              <a:t>javax.swing</a:t>
+            </a:r>
+            <a:endParaRPr lang="en-US" dirty="0"/>
+          </a:p>
+          <a:p>
+            <a:pPr lvl="1"/>
+            <a:r>
+              <a:rPr lang="en-US" dirty="0" err="1"/>
+              <a:t>JFrame</a:t>
+            </a:r>
+            <a:r>
+              <a:rPr lang="en-US" dirty="0"/>
+              <a:t> (</a:t>
+            </a:r>
+            <a:r>
+              <a:rPr lang="en-US" dirty="0" err="1"/>
+              <a:t>dedovanje</a:t>
+            </a:r>
+            <a:r>
+              <a:rPr lang="en-US" dirty="0"/>
+              <a:t>)</a:t>
+            </a:r>
+          </a:p>
+          <a:p>
+            <a:pPr lvl="1"/>
+            <a:r>
+              <a:rPr lang="en-US" dirty="0" err="1"/>
+              <a:t>JButton</a:t>
+            </a:r>
+            <a:endParaRPr lang="en-US" dirty="0"/>
+          </a:p>
+          <a:p>
+            <a:pPr lvl="1"/>
+            <a:r>
+              <a:rPr lang="en-US" dirty="0" err="1"/>
+              <a:t>JTextField</a:t>
+            </a:r>
+            <a:endParaRPr lang="en-US" dirty="0"/>
+          </a:p>
+          <a:p>
+            <a:pPr marL="0" indent="0">
+              <a:buNone/>
+            </a:pPr>
+            <a:endParaRPr lang="en-US" dirty="0"/>
+          </a:p>
+          <a:p>
+            <a:pPr marL="0" indent="0">
+              <a:buNone/>
+            </a:pPr>
+            <a:endParaRPr lang="en-US" dirty="0"/>
+          </a:p>
+          <a:p>
+            <a:pPr marL="0" indent="0">
+              <a:buNone/>
+            </a:pPr>
+            <a:endParaRPr lang="en-US" dirty="0"/>
+          </a:p>
+          <a:p>
+            <a:pPr marL="0" indent="0">
+              <a:buNone/>
+            </a:pPr>
+            <a:endParaRPr lang="en-US" dirty="0"/>
+          </a:p>
+          <a:p>
+            <a:pPr marL="0" indent="0">
+              <a:buNone/>
+            </a:pPr>
+            <a:r>
+              <a:rPr lang="en-US" dirty="0"/>
+              <a:t>(12-15)</a:t>
+            </a:r>
+          </a:p>
+          <a:p>
+            <a:endParaRPr lang="sl-SI" dirty="0"/>
+          </a:p>
+        </p:txBody>
+      </p:sp>
+      <p:pic>
+        <p:nvPicPr>
+          <p:cNvPr id="4" name="Picture 3" descr="Text&#10;&#10;Description automatically generated">
+            <a:extLst>
+              <a:ext uri="{FF2B5EF4-FFF2-40B4-BE49-F238E27FC236}">
+                <a16:creationId xmlns:a16="http://schemas.microsoft.com/office/drawing/2014/main" id="{F1AC9BC6-0558-4B15-A520-B6CB1D1036C0}"/>
+              </a:ext>
+            </a:extLst>
+          </p:cNvPr>
+          <p:cNvPicPr>
+            <a:picLocks noChangeAspect="1"/>
+          </p:cNvPicPr>
+          <p:nvPr/>
+        </p:nvPicPr>
+        <p:blipFill>
+          <a:blip r:embed="rId2"/>
+          <a:stretch>
+            <a:fillRect/>
+          </a:stretch>
+        </p:blipFill>
+        <p:spPr>
+          <a:xfrm>
+            <a:off x="5139362" y="1882540"/>
+            <a:ext cx="6838275" cy="2872339"/>
+          </a:xfrm>
+          <a:prstGeom prst="rect">
+            <a:avLst/>
+          </a:prstGeom>
+        </p:spPr>
+      </p:pic>
+      <p:pic>
+        <p:nvPicPr>
+          <p:cNvPr id="5" name="Picture 4">
+            <a:extLst>
+              <a:ext uri="{FF2B5EF4-FFF2-40B4-BE49-F238E27FC236}">
+                <a16:creationId xmlns:a16="http://schemas.microsoft.com/office/drawing/2014/main" id="{5C390241-2B6D-4661-BB86-33B74DEF90BD}"/>
+              </a:ext>
+            </a:extLst>
+          </p:cNvPr>
+          <p:cNvPicPr>
+            <a:picLocks noChangeAspect="1"/>
+          </p:cNvPicPr>
+          <p:nvPr/>
+        </p:nvPicPr>
+        <p:blipFill>
+          <a:blip r:embed="rId3"/>
+          <a:stretch>
+            <a:fillRect/>
+          </a:stretch>
+        </p:blipFill>
+        <p:spPr>
+          <a:xfrm>
+            <a:off x="5139361" y="4889815"/>
+            <a:ext cx="6838275" cy="331553"/>
+          </a:xfrm>
+          <a:prstGeom prst="rect">
+            <a:avLst/>
+          </a:prstGeom>
+        </p:spPr>
+      </p:pic>
+      <p:sp>
+        <p:nvSpPr>
+          <p:cNvPr id="6" name="TextBox 5">
+            <a:extLst>
+              <a:ext uri="{FF2B5EF4-FFF2-40B4-BE49-F238E27FC236}">
+                <a16:creationId xmlns:a16="http://schemas.microsoft.com/office/drawing/2014/main" id="{9DE9575C-B923-4EFF-A588-717576C62685}"/>
+              </a:ext>
+            </a:extLst>
+          </p:cNvPr>
+          <p:cNvSpPr txBox="1"/>
+          <p:nvPr/>
+        </p:nvSpPr>
+        <p:spPr>
+          <a:xfrm>
+            <a:off x="5139361" y="5356304"/>
+            <a:ext cx="1069792" cy="523220"/>
+          </a:xfrm>
+          <a:prstGeom prst="rect">
+            <a:avLst/>
+          </a:prstGeom>
+          <a:noFill/>
+        </p:spPr>
+        <p:txBody>
+          <a:bodyPr wrap="square" rtlCol="0">
+            <a:spAutoFit/>
+          </a:bodyPr>
+          <a:lstStyle/>
+          <a:p>
+            <a:r>
+              <a:rPr lang="en-US" sz="2800" dirty="0"/>
+              <a:t>(22)</a:t>
+            </a:r>
+            <a:endParaRPr lang="sl-SI" sz="2800" dirty="0"/>
+          </a:p>
+        </p:txBody>
+      </p:sp>
+    </p:spTree>
+    <p:extLst>
+      <p:ext uri="{BB962C8B-B14F-4D97-AF65-F5344CB8AC3E}">
+        <p14:creationId xmlns:p14="http://schemas.microsoft.com/office/powerpoint/2010/main" val="98374474"/>
+      </p:ext>
+    </p:extLst>
+  </p:cSld>
+  <p:clrMapOvr>
+    <a:masterClrMapping/>
+  </p:clrMapOvr>
+</p:sld>
+</file>
+
+<file path=ppt/slides/slide7.xml><?xml version="1.0" encoding="utf-8"?>
+<p:sld xmlns:a="http://schemas.openxmlformats.org/drawingml/2006/main" xmlns:r="http://schemas.openxmlformats.org/officeDocument/2006/relationships" xmlns:p="http://schemas.openxmlformats.org/presentationml/2006/main">
+  <p:cSld>
+    <p:spTree>
+      <p:nvGrpSpPr>
+        <p:cNvPr id="1" name=""/>
+        <p:cNvGrpSpPr/>
+        <p:nvPr/>
+      </p:nvGrpSpPr>
+      <p:grpSpPr>
+        <a:xfrm>
+          <a:off x="0" y="0"/>
+          <a:ext cx="0" cy="0"/>
+          <a:chOff x="0" y="0"/>
+          <a:chExt cx="0" cy="0"/>
+        </a:xfrm>
+      </p:grpSpPr>
+      <p:sp>
+        <p:nvSpPr>
+          <p:cNvPr id="2" name="Title 1">
+            <a:extLst>
+              <a:ext uri="{FF2B5EF4-FFF2-40B4-BE49-F238E27FC236}">
+                <a16:creationId xmlns:a16="http://schemas.microsoft.com/office/drawing/2014/main" id="{97EDAEE8-3F67-4225-9FD6-40F6D54D33EB}"/>
+              </a:ext>
+            </a:extLst>
+          </p:cNvPr>
+          <p:cNvSpPr>
+            <a:spLocks noGrp="1"/>
+          </p:cNvSpPr>
+          <p:nvPr>
+            <p:ph type="title"/>
+          </p:nvPr>
+        </p:nvSpPr>
+        <p:spPr/>
+        <p:txBody>
+          <a:bodyPr/>
+          <a:lstStyle/>
+          <a:p>
+            <a:r>
+              <a:rPr lang="en-US" dirty="0" err="1"/>
+              <a:t>Mreža</a:t>
+            </a:r>
+            <a:endParaRPr lang="sl-SI" dirty="0"/>
+          </a:p>
+        </p:txBody>
+      </p:sp>
+      <p:sp>
+        <p:nvSpPr>
+          <p:cNvPr id="3" name="Content Placeholder 2">
+            <a:extLst>
+              <a:ext uri="{FF2B5EF4-FFF2-40B4-BE49-F238E27FC236}">
+                <a16:creationId xmlns:a16="http://schemas.microsoft.com/office/drawing/2014/main" id="{33B1ABBD-4DA2-4CDC-9E15-5E71B0F9B270}"/>
+              </a:ext>
+            </a:extLst>
+          </p:cNvPr>
+          <p:cNvSpPr>
+            <a:spLocks noGrp="1"/>
+          </p:cNvSpPr>
+          <p:nvPr>
+            <p:ph idx="1"/>
+          </p:nvPr>
+        </p:nvSpPr>
+        <p:spPr/>
+        <p:txBody>
+          <a:bodyPr/>
+          <a:lstStyle/>
+          <a:p>
+            <a:r>
+              <a:rPr lang="en-US" dirty="0" err="1"/>
+              <a:t>JLabel</a:t>
+            </a:r>
+            <a:endParaRPr lang="en-US" dirty="0"/>
+          </a:p>
+          <a:p>
+            <a:r>
+              <a:rPr lang="en-US" dirty="0"/>
+              <a:t>Runnable</a:t>
+            </a:r>
+          </a:p>
+          <a:p>
+            <a:r>
+              <a:rPr lang="en-US" dirty="0"/>
+              <a:t>Paint</a:t>
+            </a:r>
+          </a:p>
+          <a:p>
+            <a:r>
+              <a:rPr lang="en-US" dirty="0"/>
+              <a:t>Graphics2D</a:t>
+            </a:r>
+          </a:p>
+          <a:p>
+            <a:r>
+              <a:rPr lang="en-US" dirty="0"/>
+              <a:t>X+1 </a:t>
+            </a:r>
+            <a:r>
+              <a:rPr lang="en-US" dirty="0" err="1"/>
+              <a:t>horizontalnih</a:t>
+            </a:r>
+            <a:r>
+              <a:rPr lang="en-US" dirty="0"/>
+              <a:t>, X+1 </a:t>
+            </a:r>
+            <a:r>
+              <a:rPr lang="en-US" dirty="0" err="1"/>
+              <a:t>vertikalnih</a:t>
+            </a:r>
+            <a:endParaRPr lang="en-US" dirty="0"/>
+          </a:p>
+          <a:p>
+            <a:endParaRPr lang="en-US" dirty="0"/>
+          </a:p>
+          <a:p>
+            <a:endParaRPr lang="en-US" dirty="0"/>
+          </a:p>
+          <a:p>
+            <a:pPr marL="0" indent="0">
+              <a:buNone/>
+            </a:pPr>
+            <a:r>
+              <a:rPr lang="en-US" dirty="0"/>
+              <a:t>(12-15)</a:t>
+            </a:r>
+          </a:p>
+          <a:p>
+            <a:pPr marL="0" indent="0">
+              <a:buNone/>
+            </a:pPr>
+            <a:endParaRPr lang="en-US" dirty="0"/>
+          </a:p>
+          <a:p>
+            <a:pPr marL="0" indent="0">
+              <a:buNone/>
+            </a:pPr>
+            <a:endParaRPr lang="en-US" dirty="0"/>
+          </a:p>
+          <a:p>
+            <a:pPr marL="0" indent="0">
+              <a:buNone/>
+            </a:pPr>
+            <a:endParaRPr lang="sl-SI" dirty="0"/>
+          </a:p>
+        </p:txBody>
+      </p:sp>
+    </p:spTree>
+    <p:extLst>
+      <p:ext uri="{BB962C8B-B14F-4D97-AF65-F5344CB8AC3E}">
+        <p14:creationId xmlns:p14="http://schemas.microsoft.com/office/powerpoint/2010/main" val="3059395636"/>
+      </p:ext>
+    </p:extLst>
+  </p:cSld>
+  <p:clrMapOvr>
+    <a:masterClrMapping/>
+  </p:clrMapOvr>
+</p:sld>
+</file>
+
+<file path=ppt/slides/slide8.xml><?xml version="1.0" encoding="utf-8"?>
+<p:sld xmlns:a="http://schemas.openxmlformats.org/drawingml/2006/main" xmlns:r="http://schemas.openxmlformats.org/officeDocument/2006/relationships" xmlns:p="http://schemas.openxmlformats.org/presentationml/2006/main">
+  <p:cSld>
+    <p:spTree>
+      <p:nvGrpSpPr>
+        <p:cNvPr id="1" name=""/>
+        <p:cNvGrpSpPr/>
+        <p:nvPr/>
+      </p:nvGrpSpPr>
+      <p:grpSpPr>
+        <a:xfrm>
+          <a:off x="0" y="0"/>
+          <a:ext cx="0" cy="0"/>
+          <a:chOff x="0" y="0"/>
+          <a:chExt cx="0" cy="0"/>
+        </a:xfrm>
+      </p:grpSpPr>
+      <p:sp>
+        <p:nvSpPr>
+          <p:cNvPr id="2" name="Title 1">
+            <a:extLst>
+              <a:ext uri="{FF2B5EF4-FFF2-40B4-BE49-F238E27FC236}">
+                <a16:creationId xmlns:a16="http://schemas.microsoft.com/office/drawing/2014/main" id="{A5569862-1584-4C68-A95D-A225D3F10C65}"/>
+              </a:ext>
+            </a:extLst>
+          </p:cNvPr>
+          <p:cNvSpPr>
+            <a:spLocks noGrp="1"/>
+          </p:cNvSpPr>
+          <p:nvPr>
+            <p:ph type="title"/>
+          </p:nvPr>
+        </p:nvSpPr>
+        <p:spPr/>
+        <p:txBody>
+          <a:bodyPr/>
+          <a:lstStyle/>
+          <a:p>
+            <a:r>
+              <a:rPr lang="en-US" dirty="0" err="1"/>
+              <a:t>Izris</a:t>
+            </a:r>
+            <a:r>
+              <a:rPr lang="en-US" dirty="0"/>
+              <a:t> </a:t>
+            </a:r>
+            <a:r>
+              <a:rPr lang="en-US" dirty="0" err="1"/>
+              <a:t>poti</a:t>
+            </a:r>
+            <a:endParaRPr lang="sl-SI" dirty="0"/>
+          </a:p>
+        </p:txBody>
+      </p:sp>
+      <p:sp>
+        <p:nvSpPr>
+          <p:cNvPr id="3" name="Content Placeholder 2">
+            <a:extLst>
+              <a:ext uri="{FF2B5EF4-FFF2-40B4-BE49-F238E27FC236}">
+                <a16:creationId xmlns:a16="http://schemas.microsoft.com/office/drawing/2014/main" id="{C65AC4AF-AB1D-404C-BEF9-B6F13B30BDBD}"/>
+              </a:ext>
+            </a:extLst>
+          </p:cNvPr>
+          <p:cNvSpPr>
+            <a:spLocks noGrp="1"/>
+          </p:cNvSpPr>
+          <p:nvPr>
+            <p:ph idx="1"/>
+          </p:nvPr>
+        </p:nvSpPr>
+        <p:spPr/>
+        <p:txBody>
+          <a:bodyPr/>
+          <a:lstStyle/>
+          <a:p>
+            <a:r>
+              <a:rPr lang="en-US" dirty="0" err="1"/>
+              <a:t>Razred</a:t>
+            </a:r>
+            <a:r>
+              <a:rPr lang="en-US" dirty="0"/>
+              <a:t> “Line”</a:t>
+            </a:r>
+          </a:p>
+          <a:p>
+            <a:r>
+              <a:rPr lang="en-US" dirty="0"/>
+              <a:t>HashMap</a:t>
+            </a:r>
+          </a:p>
+          <a:p>
+            <a:r>
+              <a:rPr lang="en-US" dirty="0"/>
+              <a:t>Paint</a:t>
+            </a:r>
+          </a:p>
+          <a:p>
+            <a:r>
+              <a:rPr lang="en-US" dirty="0"/>
+              <a:t>Runnable</a:t>
+            </a:r>
+          </a:p>
+          <a:p>
+            <a:r>
+              <a:rPr lang="en-US" dirty="0"/>
+              <a:t>try-catch</a:t>
+            </a:r>
+          </a:p>
+          <a:p>
+            <a:endParaRPr lang="en-US" dirty="0"/>
+          </a:p>
+          <a:p>
+            <a:endParaRPr lang="en-US" dirty="0"/>
+          </a:p>
+          <a:p>
+            <a:pPr marL="0" indent="0">
+              <a:buNone/>
+            </a:pPr>
+            <a:r>
+              <a:rPr lang="en-US" dirty="0"/>
+              <a:t>(13,15,16)</a:t>
+            </a:r>
+          </a:p>
+        </p:txBody>
+      </p:sp>
+    </p:spTree>
+    <p:extLst>
+      <p:ext uri="{BB962C8B-B14F-4D97-AF65-F5344CB8AC3E}">
+        <p14:creationId xmlns:p14="http://schemas.microsoft.com/office/powerpoint/2010/main" val="1652220484"/>
+      </p:ext>
+    </p:extLst>
+  </p:cSld>
+  <p:clrMapOvr>
+    <a:masterClrMapping/>
+  </p:clrMapOvr>
+</p:sld>
+</file>
+
+<file path=ppt/slides/slide9.xml><?xml version="1.0" encoding="utf-8"?>
+<p:sld xmlns:a="http://schemas.openxmlformats.org/drawingml/2006/main" xmlns:r="http://schemas.openxmlformats.org/officeDocument/2006/relationships" xmlns:p="http://schemas.openxmlformats.org/presentationml/2006/main">
+  <p:cSld>
+    <p:spTree>
+      <p:nvGrpSpPr>
+        <p:cNvPr id="1" name=""/>
+        <p:cNvGrpSpPr/>
+        <p:nvPr/>
+      </p:nvGrpSpPr>
+      <p:grpSpPr>
+        <a:xfrm>
+          <a:off x="0" y="0"/>
+          <a:ext cx="0" cy="0"/>
+          <a:chOff x="0" y="0"/>
+          <a:chExt cx="0" cy="0"/>
+        </a:xfrm>
+      </p:grpSpPr>
+      <p:sp>
+        <p:nvSpPr>
+          <p:cNvPr id="2" name="Title 1">
+            <a:extLst>
+              <a:ext uri="{FF2B5EF4-FFF2-40B4-BE49-F238E27FC236}">
+                <a16:creationId xmlns:a16="http://schemas.microsoft.com/office/drawing/2014/main" id="{8BFDD76F-984E-4637-80DB-EE17BF238BA7}"/>
+              </a:ext>
+            </a:extLst>
+          </p:cNvPr>
+          <p:cNvSpPr>
+            <a:spLocks noGrp="1"/>
+          </p:cNvSpPr>
+          <p:nvPr>
+            <p:ph type="title"/>
+          </p:nvPr>
+        </p:nvSpPr>
+        <p:spPr/>
+        <p:txBody>
+          <a:bodyPr/>
+          <a:lstStyle/>
+          <a:p>
+            <a:r>
+              <a:rPr lang="en-US" dirty="0" err="1"/>
+              <a:t>Animacija</a:t>
+            </a:r>
+            <a:endParaRPr lang="sl-SI" dirty="0"/>
+          </a:p>
+        </p:txBody>
+      </p:sp>
+      <p:sp>
+        <p:nvSpPr>
+          <p:cNvPr id="3" name="Content Placeholder 2">
+            <a:extLst>
+              <a:ext uri="{FF2B5EF4-FFF2-40B4-BE49-F238E27FC236}">
+                <a16:creationId xmlns:a16="http://schemas.microsoft.com/office/drawing/2014/main" id="{2EEB22F9-935F-483C-AD4C-87D1ECBE532A}"/>
+              </a:ext>
+            </a:extLst>
+          </p:cNvPr>
+          <p:cNvSpPr>
+            <a:spLocks noGrp="1"/>
+          </p:cNvSpPr>
+          <p:nvPr>
+            <p:ph idx="1"/>
+          </p:nvPr>
+        </p:nvSpPr>
+        <p:spPr/>
+        <p:txBody>
+          <a:bodyPr/>
+          <a:lstStyle/>
+          <a:p>
+            <a:r>
+              <a:rPr lang="en-US" dirty="0"/>
+              <a:t>RGB</a:t>
+            </a:r>
+          </a:p>
+          <a:p>
+            <a:r>
+              <a:rPr lang="en-US" dirty="0" err="1"/>
+              <a:t>java.awt.Color</a:t>
+            </a:r>
+            <a:endParaRPr lang="en-US" dirty="0"/>
+          </a:p>
+          <a:p>
+            <a:endParaRPr lang="en-US" dirty="0"/>
+          </a:p>
+          <a:p>
+            <a:endParaRPr lang="en-US" dirty="0"/>
+          </a:p>
+          <a:p>
+            <a:endParaRPr lang="en-US" dirty="0"/>
+          </a:p>
+          <a:p>
+            <a:endParaRPr lang="en-US" dirty="0"/>
+          </a:p>
+          <a:p>
+            <a:endParaRPr lang="en-US" dirty="0"/>
+          </a:p>
+          <a:p>
+            <a:pPr marL="0" indent="0">
+              <a:buNone/>
+            </a:pPr>
+            <a:r>
+              <a:rPr lang="en-US" dirty="0"/>
+              <a:t>(13,17,18)</a:t>
+            </a:r>
+          </a:p>
+        </p:txBody>
+      </p:sp>
+      <p:pic>
+        <p:nvPicPr>
+          <p:cNvPr id="5" name="Picture 4">
+            <a:extLst>
+              <a:ext uri="{FF2B5EF4-FFF2-40B4-BE49-F238E27FC236}">
+                <a16:creationId xmlns:a16="http://schemas.microsoft.com/office/drawing/2014/main" id="{958489CF-B4C4-4837-82C9-11938A8F8D84}"/>
+              </a:ext>
+            </a:extLst>
+          </p:cNvPr>
+          <p:cNvPicPr>
+            <a:picLocks noChangeAspect="1"/>
+          </p:cNvPicPr>
+          <p:nvPr/>
+        </p:nvPicPr>
+        <p:blipFill>
+          <a:blip r:embed="rId2"/>
+          <a:stretch>
+            <a:fillRect/>
+          </a:stretch>
+        </p:blipFill>
+        <p:spPr>
+          <a:xfrm>
+            <a:off x="6480926" y="1884130"/>
+            <a:ext cx="4791275" cy="4042197"/>
+          </a:xfrm>
+          <a:prstGeom prst="rect">
+            <a:avLst/>
+          </a:prstGeom>
+        </p:spPr>
+      </p:pic>
+      <p:sp>
+        <p:nvSpPr>
+          <p:cNvPr id="7" name="TextBox 6">
+            <a:extLst>
+              <a:ext uri="{FF2B5EF4-FFF2-40B4-BE49-F238E27FC236}">
+                <a16:creationId xmlns:a16="http://schemas.microsoft.com/office/drawing/2014/main" id="{AB1AAEB5-CFF9-4B08-8CD2-86BE7EA823B5}"/>
+              </a:ext>
+            </a:extLst>
+          </p:cNvPr>
+          <p:cNvSpPr txBox="1"/>
+          <p:nvPr/>
+        </p:nvSpPr>
+        <p:spPr>
+          <a:xfrm>
+            <a:off x="6480926" y="6045868"/>
+            <a:ext cx="1592263" cy="523220"/>
+          </a:xfrm>
+          <a:prstGeom prst="rect">
+            <a:avLst/>
+          </a:prstGeom>
+          <a:noFill/>
+        </p:spPr>
+        <p:txBody>
+          <a:bodyPr wrap="square" rtlCol="0">
+            <a:spAutoFit/>
+          </a:bodyPr>
+          <a:lstStyle/>
+          <a:p>
+            <a:r>
+              <a:rPr lang="en-US" sz="2800" dirty="0"/>
+              <a:t>(21)</a:t>
+            </a:r>
+            <a:endParaRPr lang="sl-SI" sz="2800" dirty="0"/>
+          </a:p>
+        </p:txBody>
+      </p:sp>
+    </p:spTree>
+    <p:extLst>
+      <p:ext uri="{BB962C8B-B14F-4D97-AF65-F5344CB8AC3E}">
+        <p14:creationId xmlns:p14="http://schemas.microsoft.com/office/powerpoint/2010/main" val="2010242616"/>
       </p:ext>
     </p:extLst>
   </p:cSld>

--- a/PowerPoint/Jenič Nik T4b.pptx
+++ b/PowerPoint/Jenič Nik T4b.pptx
@@ -15,11 +15,12 @@
     <p:sldId id="263" r:id="rId9"/>
     <p:sldId id="267" r:id="rId10"/>
     <p:sldId id="264" r:id="rId11"/>
-    <p:sldId id="266" r:id="rId12"/>
-    <p:sldId id="270" r:id="rId13"/>
-    <p:sldId id="268" r:id="rId14"/>
-    <p:sldId id="265" r:id="rId15"/>
-    <p:sldId id="269" r:id="rId16"/>
+    <p:sldId id="271" r:id="rId12"/>
+    <p:sldId id="266" r:id="rId13"/>
+    <p:sldId id="270" r:id="rId14"/>
+    <p:sldId id="268" r:id="rId15"/>
+    <p:sldId id="265" r:id="rId16"/>
+    <p:sldId id="269" r:id="rId17"/>
   </p:sldIdLst>
   <p:sldSz cx="12192000" cy="6858000"/>
   <p:notesSz cx="6858000" cy="9144000"/>
@@ -4095,7 +4096,7 @@
           <p:cNvPr id="2" name="Title 1">
             <a:extLst>
               <a:ext uri="{FF2B5EF4-FFF2-40B4-BE49-F238E27FC236}">
-                <a16:creationId xmlns:a16="http://schemas.microsoft.com/office/drawing/2014/main" id="{574C97C3-984E-471A-8746-7645CB41B548}"/>
+                <a16:creationId xmlns:a16="http://schemas.microsoft.com/office/drawing/2014/main" id="{954B2F5D-DCEE-4934-9F28-2E6CBE0696A2}"/>
               </a:ext>
             </a:extLst>
           </p:cNvPr>
@@ -4113,7 +4114,7 @@
           <a:p>
             <a:r>
               <a:rPr lang="en-US" dirty="0" err="1"/>
-              <a:t>Uporaba</a:t>
+              <a:t>Hiter</a:t>
             </a:r>
             <a:r>
               <a:rPr lang="en-US" dirty="0"/>
@@ -4121,7 +4122,7 @@
             </a:r>
             <a:r>
               <a:rPr lang="en-US" dirty="0" err="1"/>
-              <a:t>programa</a:t>
+              <a:t>rezultat</a:t>
             </a:r>
             <a:endParaRPr lang="sl-SI" dirty="0"/>
           </a:p>
@@ -4132,7 +4133,7 @@
           <p:cNvPr id="3" name="Content Placeholder 2">
             <a:extLst>
               <a:ext uri="{FF2B5EF4-FFF2-40B4-BE49-F238E27FC236}">
-                <a16:creationId xmlns:a16="http://schemas.microsoft.com/office/drawing/2014/main" id="{C5108370-9231-449E-A101-D2AB7F9BB6A4}"/>
+                <a16:creationId xmlns:a16="http://schemas.microsoft.com/office/drawing/2014/main" id="{98888779-8C19-402D-A6E5-466A6EE5A30D}"/>
               </a:ext>
             </a:extLst>
           </p:cNvPr>
@@ -4148,14 +4149,65 @@
           <a:bodyPr/>
           <a:lstStyle/>
           <a:p>
-            <a:endParaRPr lang="sl-SI"/>
+            <a:r>
+              <a:rPr lang="en-US" dirty="0"/>
+              <a:t>X – </a:t>
+            </a:r>
+            <a:r>
+              <a:rPr lang="en-US" dirty="0" err="1"/>
+              <a:t>velikost</a:t>
+            </a:r>
+            <a:r>
+              <a:rPr lang="en-US" dirty="0"/>
+              <a:t> </a:t>
+            </a:r>
+            <a:r>
+              <a:rPr lang="en-US" dirty="0" err="1"/>
+              <a:t>mreže</a:t>
+            </a:r>
+            <a:endParaRPr lang="en-US" dirty="0"/>
+          </a:p>
+          <a:p>
+            <a:r>
+              <a:rPr lang="en-US" dirty="0"/>
+              <a:t>(2*X)!/(X!*X!)</a:t>
+            </a:r>
+          </a:p>
+          <a:p>
+            <a:r>
+              <a:rPr lang="en-US" dirty="0" err="1"/>
+              <a:t>Tabele</a:t>
+            </a:r>
+            <a:endParaRPr lang="en-US" dirty="0"/>
+          </a:p>
+          <a:p>
+            <a:endParaRPr lang="en-US" dirty="0"/>
+          </a:p>
+          <a:p>
+            <a:endParaRPr lang="en-US" dirty="0"/>
+          </a:p>
+          <a:p>
+            <a:endParaRPr lang="en-US" dirty="0"/>
+          </a:p>
+          <a:p>
+            <a:endParaRPr lang="en-US" dirty="0"/>
+          </a:p>
+          <a:p>
+            <a:pPr marL="0" indent="0">
+              <a:buNone/>
+            </a:pPr>
+            <a:r>
+              <a:rPr lang="en-US" dirty="0"/>
+              <a:t>(23)</a:t>
+            </a:r>
+            <a:endParaRPr lang="sl-SI" dirty="0"/>
           </a:p>
         </p:txBody>
       </p:sp>
     </p:spTree>
     <p:extLst>
       <p:ext uri="{BB962C8B-B14F-4D97-AF65-F5344CB8AC3E}">
-        <p14:creationId xmlns:p14="http://schemas.microsoft.com/office/powerpoint/2010/main" val="3372163579"/>
+        <p14:creationId xmlns:p14="http://schemas.microsoft.com/office/powerpoint/2010/main" val="2542819233"/>
       </p:ext>
     </p:extLst>
   </p:cSld>
@@ -4187,7 +4239,7 @@
           <p:cNvPr id="2" name="Title 1">
             <a:extLst>
               <a:ext uri="{FF2B5EF4-FFF2-40B4-BE49-F238E27FC236}">
-                <a16:creationId xmlns:a16="http://schemas.microsoft.com/office/drawing/2014/main" id="{4975843D-44E5-4244-A50D-740B8A46FED8}"/>
+                <a16:creationId xmlns:a16="http://schemas.microsoft.com/office/drawing/2014/main" id="{574C97C3-984E-471A-8746-7645CB41B548}"/>
               </a:ext>
             </a:extLst>
           </p:cNvPr>
@@ -4205,36 +4257,7 @@
           <a:p>
             <a:r>
               <a:rPr lang="en-US" dirty="0" err="1"/>
-              <a:t>Zaključek</a:t>
-            </a:r>
-            <a:endParaRPr lang="sl-SI" dirty="0"/>
-          </a:p>
-        </p:txBody>
-      </p:sp>
-      <p:sp>
-        <p:nvSpPr>
-          <p:cNvPr id="3" name="Content Placeholder 2">
-            <a:extLst>
-              <a:ext uri="{FF2B5EF4-FFF2-40B4-BE49-F238E27FC236}">
-                <a16:creationId xmlns:a16="http://schemas.microsoft.com/office/drawing/2014/main" id="{D27E9A8D-73B9-407B-8A56-75FCE8EA4F6D}"/>
-              </a:ext>
-            </a:extLst>
-          </p:cNvPr>
-          <p:cNvSpPr>
-            <a:spLocks noGrp="1"/>
-          </p:cNvSpPr>
-          <p:nvPr>
-            <p:ph idx="1"/>
-          </p:nvPr>
-        </p:nvSpPr>
-        <p:spPr/>
-        <p:txBody>
-          <a:bodyPr/>
-          <a:lstStyle/>
-          <a:p>
-            <a:r>
-              <a:rPr lang="en-US" dirty="0" err="1"/>
-              <a:t>Bolj</a:t>
+              <a:t>Uporaba</a:t>
             </a:r>
             <a:r>
               <a:rPr lang="en-US" dirty="0"/>
@@ -4242,104 +4265,41 @@
             </a:r>
             <a:r>
               <a:rPr lang="en-US" dirty="0" err="1"/>
-              <a:t>optimizirana</a:t>
-            </a:r>
-            <a:r>
-              <a:rPr lang="en-US" dirty="0"/>
-              <a:t> </a:t>
-            </a:r>
-            <a:r>
-              <a:rPr lang="en-US" dirty="0" err="1"/>
-              <a:t>koda</a:t>
-            </a:r>
-            <a:endParaRPr lang="en-US" dirty="0"/>
-          </a:p>
-          <a:p>
-            <a:r>
-              <a:rPr lang="en-US" dirty="0" err="1"/>
-              <a:t>Več</a:t>
-            </a:r>
-            <a:r>
-              <a:rPr lang="en-US" dirty="0"/>
-              <a:t> </a:t>
-            </a:r>
-            <a:r>
-              <a:rPr lang="en-US" dirty="0" err="1"/>
-              <a:t>niti</a:t>
-            </a:r>
-            <a:r>
-              <a:rPr lang="en-US" dirty="0"/>
-              <a:t> </a:t>
-            </a:r>
-            <a:r>
-              <a:rPr lang="en-US" dirty="0" err="1"/>
-              <a:t>pri</a:t>
-            </a:r>
-            <a:r>
-              <a:rPr lang="en-US" dirty="0"/>
-              <a:t> </a:t>
-            </a:r>
-            <a:r>
-              <a:rPr lang="en-US" dirty="0" err="1"/>
-              <a:t>algoritmu</a:t>
-            </a:r>
-            <a:endParaRPr lang="en-US" dirty="0"/>
-          </a:p>
-          <a:p>
-            <a:r>
-              <a:rPr lang="en-US" dirty="0" err="1"/>
-              <a:t>Vgrajen</a:t>
-            </a:r>
-            <a:r>
-              <a:rPr lang="en-US" dirty="0"/>
-              <a:t> </a:t>
-            </a:r>
-            <a:r>
-              <a:rPr lang="en-US" dirty="0" err="1"/>
-              <a:t>BigInteger</a:t>
-            </a:r>
-            <a:endParaRPr lang="en-US" dirty="0"/>
-          </a:p>
-          <a:p>
-            <a:r>
-              <a:rPr lang="en-US" dirty="0" err="1"/>
-              <a:t>Poglobil</a:t>
-            </a:r>
-            <a:r>
-              <a:rPr lang="en-US" dirty="0"/>
-              <a:t> v </a:t>
-            </a:r>
-            <a:r>
-              <a:rPr lang="en-US" dirty="0" err="1"/>
-              <a:t>Javo</a:t>
-            </a:r>
-            <a:endParaRPr lang="en-US" dirty="0"/>
-          </a:p>
-          <a:p>
-            <a:endParaRPr lang="en-US" dirty="0"/>
-          </a:p>
-          <a:p>
-            <a:endParaRPr lang="en-US" dirty="0"/>
-          </a:p>
-          <a:p>
-            <a:endParaRPr lang="en-US" dirty="0"/>
-          </a:p>
-          <a:p>
-            <a:pPr marL="0" indent="0">
-              <a:buNone/>
-            </a:pPr>
-            <a:r>
-              <a:rPr lang="en-US"/>
-              <a:t>(20)</a:t>
+              <a:t>programa</a:t>
             </a:r>
             <a:endParaRPr lang="sl-SI" dirty="0"/>
+          </a:p>
+        </p:txBody>
+      </p:sp>
+      <p:sp>
+        <p:nvSpPr>
+          <p:cNvPr id="3" name="Content Placeholder 2">
+            <a:extLst>
+              <a:ext uri="{FF2B5EF4-FFF2-40B4-BE49-F238E27FC236}">
+                <a16:creationId xmlns:a16="http://schemas.microsoft.com/office/drawing/2014/main" id="{C5108370-9231-449E-A101-D2AB7F9BB6A4}"/>
+              </a:ext>
+            </a:extLst>
+          </p:cNvPr>
+          <p:cNvSpPr>
+            <a:spLocks noGrp="1"/>
+          </p:cNvSpPr>
+          <p:nvPr>
+            <p:ph idx="1"/>
+          </p:nvPr>
+        </p:nvSpPr>
+        <p:spPr/>
+        <p:txBody>
+          <a:bodyPr/>
+          <a:lstStyle/>
+          <a:p>
+            <a:endParaRPr lang="sl-SI"/>
           </a:p>
         </p:txBody>
       </p:sp>
     </p:spTree>
     <p:extLst>
       <p:ext uri="{BB962C8B-B14F-4D97-AF65-F5344CB8AC3E}">
-        <p14:creationId xmlns:p14="http://schemas.microsoft.com/office/powerpoint/2010/main" val="2855562466"/>
+        <p14:creationId xmlns:p14="http://schemas.microsoft.com/office/powerpoint/2010/main" val="3372163579"/>
       </p:ext>
     </p:extLst>
   </p:cSld>
@@ -4371,7 +4331,7 @@
           <p:cNvPr id="2" name="Title 1">
             <a:extLst>
               <a:ext uri="{FF2B5EF4-FFF2-40B4-BE49-F238E27FC236}">
-                <a16:creationId xmlns:a16="http://schemas.microsoft.com/office/drawing/2014/main" id="{F8ADF742-EF55-4E78-ACE9-8D9FA1888646}"/>
+                <a16:creationId xmlns:a16="http://schemas.microsoft.com/office/drawing/2014/main" id="{4975843D-44E5-4244-A50D-740B8A46FED8}"/>
               </a:ext>
             </a:extLst>
           </p:cNvPr>
@@ -4389,7 +4349,7 @@
           <a:p>
             <a:r>
               <a:rPr lang="en-US" dirty="0" err="1"/>
-              <a:t>Zahvala</a:t>
+              <a:t>Zaključek</a:t>
             </a:r>
             <a:endParaRPr lang="sl-SI" dirty="0"/>
           </a:p>
@@ -4400,7 +4360,7 @@
           <p:cNvPr id="3" name="Content Placeholder 2">
             <a:extLst>
               <a:ext uri="{FF2B5EF4-FFF2-40B4-BE49-F238E27FC236}">
-                <a16:creationId xmlns:a16="http://schemas.microsoft.com/office/drawing/2014/main" id="{93647C24-C8FD-431F-AC5E-EE1B7CE50179}"/>
+                <a16:creationId xmlns:a16="http://schemas.microsoft.com/office/drawing/2014/main" id="{D27E9A8D-73B9-407B-8A56-75FCE8EA4F6D}"/>
               </a:ext>
             </a:extLst>
           </p:cNvPr>
@@ -4418,22 +4378,103 @@
           <a:p>
             <a:r>
               <a:rPr lang="en-US" dirty="0" err="1"/>
-              <a:t>Profesorju</a:t>
+              <a:t>Bolj</a:t>
+            </a:r>
+            <a:r>
+              <a:rPr lang="en-US" dirty="0"/>
+              <a:t> </a:t>
+            </a:r>
+            <a:r>
+              <a:rPr lang="en-US" dirty="0" err="1"/>
+              <a:t>optimizirana</a:t>
+            </a:r>
+            <a:r>
+              <a:rPr lang="en-US" dirty="0"/>
+              <a:t> </a:t>
+            </a:r>
+            <a:r>
+              <a:rPr lang="en-US" dirty="0" err="1"/>
+              <a:t>koda</a:t>
             </a:r>
             <a:endParaRPr lang="en-US" dirty="0"/>
           </a:p>
           <a:p>
             <a:r>
               <a:rPr lang="en-US" dirty="0" err="1"/>
-              <a:t>Prijateljem</a:t>
+              <a:t>Več</a:t>
             </a:r>
             <a:r>
               <a:rPr lang="en-US" dirty="0"/>
-              <a:t> in </a:t>
+              <a:t> </a:t>
             </a:r>
             <a:r>
               <a:rPr lang="en-US" dirty="0" err="1"/>
-              <a:t>družini</a:t>
+              <a:t>niti</a:t>
+            </a:r>
+            <a:r>
+              <a:rPr lang="en-US" dirty="0"/>
+              <a:t> </a:t>
+            </a:r>
+            <a:r>
+              <a:rPr lang="en-US" dirty="0" err="1"/>
+              <a:t>pri</a:t>
+            </a:r>
+            <a:r>
+              <a:rPr lang="en-US" dirty="0"/>
+              <a:t> </a:t>
+            </a:r>
+            <a:r>
+              <a:rPr lang="en-US" dirty="0" err="1"/>
+              <a:t>algoritmu</a:t>
+            </a:r>
+            <a:endParaRPr lang="en-US" dirty="0"/>
+          </a:p>
+          <a:p>
+            <a:r>
+              <a:rPr lang="en-US" dirty="0" err="1"/>
+              <a:t>Vgrajen</a:t>
+            </a:r>
+            <a:r>
+              <a:rPr lang="en-US" dirty="0"/>
+              <a:t> </a:t>
+            </a:r>
+            <a:r>
+              <a:rPr lang="en-US" dirty="0" err="1"/>
+              <a:t>BigInteger</a:t>
+            </a:r>
+            <a:endParaRPr lang="en-US" dirty="0"/>
+          </a:p>
+          <a:p>
+            <a:r>
+              <a:rPr lang="en-US" dirty="0" err="1"/>
+              <a:t>Poglobil</a:t>
+            </a:r>
+            <a:r>
+              <a:rPr lang="en-US" dirty="0"/>
+              <a:t> v </a:t>
+            </a:r>
+            <a:r>
+              <a:rPr lang="en-US" dirty="0" err="1"/>
+              <a:t>Javo</a:t>
+            </a:r>
+            <a:endParaRPr lang="en-US" dirty="0"/>
+          </a:p>
+          <a:p>
+            <a:endParaRPr lang="en-US" dirty="0"/>
+          </a:p>
+          <a:p>
+            <a:endParaRPr lang="en-US" dirty="0"/>
+          </a:p>
+          <a:p>
+            <a:endParaRPr lang="en-US" dirty="0"/>
+          </a:p>
+          <a:p>
+            <a:pPr marL="0" indent="0">
+              <a:buNone/>
+            </a:pPr>
+            <a:r>
+              <a:rPr lang="en-US"/>
+              <a:t>(20)</a:t>
             </a:r>
             <a:endParaRPr lang="sl-SI" dirty="0"/>
           </a:p>
@@ -4442,7 +4483,7 @@
     </p:spTree>
     <p:extLst>
       <p:ext uri="{BB962C8B-B14F-4D97-AF65-F5344CB8AC3E}">
-        <p14:creationId xmlns:p14="http://schemas.microsoft.com/office/powerpoint/2010/main" val="181575607"/>
+        <p14:creationId xmlns:p14="http://schemas.microsoft.com/office/powerpoint/2010/main" val="2855562466"/>
       </p:ext>
     </p:extLst>
   </p:cSld>
@@ -4474,7 +4515,7 @@
           <p:cNvPr id="2" name="Title 1">
             <a:extLst>
               <a:ext uri="{FF2B5EF4-FFF2-40B4-BE49-F238E27FC236}">
-                <a16:creationId xmlns:a16="http://schemas.microsoft.com/office/drawing/2014/main" id="{E386328D-7051-4013-B61E-C7368369CB51}"/>
+                <a16:creationId xmlns:a16="http://schemas.microsoft.com/office/drawing/2014/main" id="{F8ADF742-EF55-4E78-ACE9-8D9FA1888646}"/>
               </a:ext>
             </a:extLst>
           </p:cNvPr>
@@ -4492,7 +4533,7 @@
           <a:p>
             <a:r>
               <a:rPr lang="en-US" dirty="0" err="1"/>
-              <a:t>Viri</a:t>
+              <a:t>Zahvala</a:t>
             </a:r>
             <a:endParaRPr lang="sl-SI" dirty="0"/>
           </a:p>
@@ -4503,12 +4544,12 @@
           <p:cNvPr id="3" name="Content Placeholder 2">
             <a:extLst>
               <a:ext uri="{FF2B5EF4-FFF2-40B4-BE49-F238E27FC236}">
-                <a16:creationId xmlns:a16="http://schemas.microsoft.com/office/drawing/2014/main" id="{AE02B462-C978-4F5E-8082-FE3884A56672}"/>
-              </a:ext>
-            </a:extLst>
-          </p:cNvPr>
-          <p:cNvSpPr>
-            <a:spLocks noGrp="1" noRot="1" noMove="1" noResize="1" noEditPoints="1" noAdjustHandles="1" noChangeArrowheads="1" noChangeShapeType="1"/>
+                <a16:creationId xmlns:a16="http://schemas.microsoft.com/office/drawing/2014/main" id="{93647C24-C8FD-431F-AC5E-EE1B7CE50179}"/>
+              </a:ext>
+            </a:extLst>
+          </p:cNvPr>
+          <p:cNvSpPr>
+            <a:spLocks noGrp="1"/>
           </p:cNvSpPr>
           <p:nvPr>
             <p:ph idx="1"/>
@@ -4516,159 +4557,36 @@
         </p:nvSpPr>
         <p:spPr/>
         <p:txBody>
-          <a:bodyPr>
-            <a:normAutofit lnSpcReduction="10000"/>
-          </a:bodyPr>
-          <a:lstStyle/>
-          <a:p>
-            <a:r>
-              <a:rPr lang="en-US" sz="2000" dirty="0"/>
-              <a:t>1: </a:t>
-            </a:r>
-            <a:r>
-              <a:rPr lang="en-US" sz="2000" dirty="0">
-                <a:hlinkClick r:id="rId2"/>
-              </a:rPr>
-              <a:t>https://projecteuler.net/</a:t>
-            </a:r>
-            <a:endParaRPr lang="en-US" sz="2000" dirty="0"/>
-          </a:p>
-          <a:p>
-            <a:r>
-              <a:rPr lang="en-US" sz="2000" dirty="0"/>
-              <a:t>2: </a:t>
-            </a:r>
-            <a:r>
-              <a:rPr lang="en-US" sz="2000" dirty="0">
-                <a:hlinkClick r:id="rId3"/>
-              </a:rPr>
-              <a:t>https://www.educative.io/</a:t>
-            </a:r>
-            <a:endParaRPr lang="en-US" sz="2000" dirty="0"/>
-          </a:p>
-          <a:p>
-            <a:r>
-              <a:rPr lang="en-US" sz="2000" dirty="0"/>
-              <a:t>3: </a:t>
-            </a:r>
-            <a:r>
-              <a:rPr lang="en-US" sz="2000" dirty="0">
-                <a:hlinkClick r:id="rId4"/>
-              </a:rPr>
-              <a:t>https://logoeps.com/</a:t>
-            </a:r>
-            <a:endParaRPr lang="en-US" sz="2000" dirty="0"/>
-          </a:p>
-          <a:p>
-            <a:r>
-              <a:rPr lang="en-US" sz="2000" dirty="0"/>
-              <a:t>4: </a:t>
-            </a:r>
-            <a:r>
-              <a:rPr lang="en-US" sz="2000" dirty="0">
-                <a:hlinkClick r:id="rId5"/>
-              </a:rPr>
-              <a:t>https://www.statista.com/</a:t>
-            </a:r>
-            <a:endParaRPr lang="en-US" sz="2000" dirty="0"/>
-          </a:p>
-          <a:p>
-            <a:r>
-              <a:rPr lang="en-US" sz="2000" dirty="0"/>
-              <a:t>5: </a:t>
-            </a:r>
-            <a:r>
-              <a:rPr lang="en-US" sz="2000" dirty="0">
-                <a:hlinkClick r:id="rId6"/>
-              </a:rPr>
-              <a:t>https://www.java.com/</a:t>
-            </a:r>
-            <a:endParaRPr lang="en-US" sz="2000" dirty="0"/>
-          </a:p>
-          <a:p>
-            <a:r>
-              <a:rPr lang="en-US" sz="2000" dirty="0"/>
-              <a:t>6: </a:t>
-            </a:r>
-            <a:r>
-              <a:rPr lang="en-US" sz="2000" dirty="0">
-                <a:hlinkClick r:id="rId7"/>
-              </a:rPr>
-              <a:t>https://studentski.net/</a:t>
-            </a:r>
-            <a:endParaRPr lang="en-US" sz="2000" dirty="0"/>
-          </a:p>
-          <a:p>
-            <a:r>
-              <a:rPr lang="en-US" sz="2000" dirty="0"/>
-              <a:t>7: </a:t>
-            </a:r>
-            <a:r>
-              <a:rPr lang="en-US" sz="2000" dirty="0">
-                <a:hlinkClick r:id="rId8"/>
-              </a:rPr>
-              <a:t>https://www.stackchief.com/</a:t>
-            </a:r>
-            <a:endParaRPr lang="en-US" sz="2000" dirty="0"/>
-          </a:p>
-          <a:p>
-            <a:r>
-              <a:rPr lang="en-US" sz="2000" dirty="0"/>
-              <a:t>8: </a:t>
-            </a:r>
-            <a:r>
-              <a:rPr lang="en-US" sz="2000" dirty="0">
-                <a:hlinkClick r:id="rId9"/>
-              </a:rPr>
-              <a:t>https://kafka.apache.org/</a:t>
-            </a:r>
-            <a:endParaRPr lang="en-US" sz="2000" dirty="0"/>
-          </a:p>
-          <a:p>
-            <a:r>
-              <a:rPr lang="en-US" sz="2000" dirty="0"/>
-              <a:t>9: </a:t>
-            </a:r>
-            <a:r>
-              <a:rPr lang="en-US" sz="2000" dirty="0">
-                <a:hlinkClick r:id="rId10"/>
-              </a:rPr>
-              <a:t>https://www.geeksforgeeks.org/</a:t>
-            </a:r>
-            <a:endParaRPr lang="en-US" sz="2000" dirty="0"/>
-          </a:p>
-          <a:p>
-            <a:r>
-              <a:rPr lang="en-US" sz="2000" dirty="0"/>
-              <a:t>10: </a:t>
-            </a:r>
-            <a:r>
-              <a:rPr lang="en-US" sz="2000" dirty="0">
-                <a:hlinkClick r:id="rId11"/>
-              </a:rPr>
-              <a:t>https://studentski.net/</a:t>
-            </a:r>
-            <a:endParaRPr lang="en-US" sz="2000" dirty="0"/>
-          </a:p>
-          <a:p>
-            <a:r>
-              <a:rPr lang="en-US" sz="2000" dirty="0"/>
-              <a:t>11: </a:t>
-            </a:r>
-            <a:r>
-              <a:rPr lang="en-US" sz="2000" dirty="0">
-                <a:hlinkClick r:id="rId12"/>
-              </a:rPr>
-              <a:t>https://www.geeksforgeeks.org/</a:t>
-            </a:r>
-            <a:endParaRPr lang="sl-SI" sz="2000" dirty="0"/>
+          <a:bodyPr/>
+          <a:lstStyle/>
+          <a:p>
+            <a:r>
+              <a:rPr lang="en-US" dirty="0" err="1"/>
+              <a:t>Profesorju</a:t>
+            </a:r>
+            <a:endParaRPr lang="en-US" dirty="0"/>
+          </a:p>
+          <a:p>
+            <a:r>
+              <a:rPr lang="en-US" dirty="0" err="1"/>
+              <a:t>Prijateljem</a:t>
+            </a:r>
+            <a:r>
+              <a:rPr lang="en-US" dirty="0"/>
+              <a:t> in </a:t>
+            </a:r>
+            <a:r>
+              <a:rPr lang="en-US" dirty="0" err="1"/>
+              <a:t>družini</a:t>
+            </a:r>
+            <a:endParaRPr lang="sl-SI" dirty="0"/>
           </a:p>
         </p:txBody>
       </p:sp>
     </p:spTree>
     <p:extLst>
       <p:ext uri="{BB962C8B-B14F-4D97-AF65-F5344CB8AC3E}">
-        <p14:creationId xmlns:p14="http://schemas.microsoft.com/office/powerpoint/2010/main" val="3561354923"/>
+        <p14:creationId xmlns:p14="http://schemas.microsoft.com/office/powerpoint/2010/main" val="181575607"/>
       </p:ext>
     </p:extLst>
   </p:cSld>
@@ -4734,7 +4652,7 @@
             </a:extLst>
           </p:cNvPr>
           <p:cNvSpPr>
-            <a:spLocks noGrp="1"/>
+            <a:spLocks noGrp="1" noRot="1" noMove="1" noResize="1" noEditPoints="1" noAdjustHandles="1" noChangeArrowheads="1" noChangeShapeType="1"/>
           </p:cNvSpPr>
           <p:nvPr>
             <p:ph idx="1"/>
@@ -4744,6 +4662,232 @@
         <p:txBody>
           <a:bodyPr>
             <a:normAutofit lnSpcReduction="10000"/>
+          </a:bodyPr>
+          <a:lstStyle/>
+          <a:p>
+            <a:r>
+              <a:rPr lang="en-US" sz="2000" dirty="0"/>
+              <a:t>1: </a:t>
+            </a:r>
+            <a:r>
+              <a:rPr lang="en-US" sz="2000" dirty="0">
+                <a:hlinkClick r:id="rId2"/>
+              </a:rPr>
+              <a:t>https://projecteuler.net/</a:t>
+            </a:r>
+            <a:endParaRPr lang="en-US" sz="2000" dirty="0"/>
+          </a:p>
+          <a:p>
+            <a:r>
+              <a:rPr lang="en-US" sz="2000" dirty="0"/>
+              <a:t>2: </a:t>
+            </a:r>
+            <a:r>
+              <a:rPr lang="en-US" sz="2000" dirty="0">
+                <a:hlinkClick r:id="rId3"/>
+              </a:rPr>
+              <a:t>https://www.educative.io/</a:t>
+            </a:r>
+            <a:endParaRPr lang="en-US" sz="2000" dirty="0"/>
+          </a:p>
+          <a:p>
+            <a:r>
+              <a:rPr lang="en-US" sz="2000" dirty="0"/>
+              <a:t>3: </a:t>
+            </a:r>
+            <a:r>
+              <a:rPr lang="en-US" sz="2000" dirty="0">
+                <a:hlinkClick r:id="rId4"/>
+              </a:rPr>
+              <a:t>https://logoeps.com/</a:t>
+            </a:r>
+            <a:endParaRPr lang="en-US" sz="2000" dirty="0"/>
+          </a:p>
+          <a:p>
+            <a:r>
+              <a:rPr lang="en-US" sz="2000" dirty="0"/>
+              <a:t>4: </a:t>
+            </a:r>
+            <a:r>
+              <a:rPr lang="en-US" sz="2000" dirty="0">
+                <a:hlinkClick r:id="rId5"/>
+              </a:rPr>
+              <a:t>https://www.statista.com/</a:t>
+            </a:r>
+            <a:endParaRPr lang="en-US" sz="2000" dirty="0"/>
+          </a:p>
+          <a:p>
+            <a:r>
+              <a:rPr lang="en-US" sz="2000" dirty="0"/>
+              <a:t>5: </a:t>
+            </a:r>
+            <a:r>
+              <a:rPr lang="en-US" sz="2000" dirty="0">
+                <a:hlinkClick r:id="rId6"/>
+              </a:rPr>
+              <a:t>https://www.java.com/</a:t>
+            </a:r>
+            <a:endParaRPr lang="en-US" sz="2000" dirty="0"/>
+          </a:p>
+          <a:p>
+            <a:r>
+              <a:rPr lang="en-US" sz="2000" dirty="0"/>
+              <a:t>6: </a:t>
+            </a:r>
+            <a:r>
+              <a:rPr lang="en-US" sz="2000" dirty="0">
+                <a:hlinkClick r:id="rId7"/>
+              </a:rPr>
+              <a:t>https://studentski.net/</a:t>
+            </a:r>
+            <a:endParaRPr lang="en-US" sz="2000" dirty="0"/>
+          </a:p>
+          <a:p>
+            <a:r>
+              <a:rPr lang="en-US" sz="2000" dirty="0"/>
+              <a:t>7: </a:t>
+            </a:r>
+            <a:r>
+              <a:rPr lang="en-US" sz="2000" dirty="0">
+                <a:hlinkClick r:id="rId8"/>
+              </a:rPr>
+              <a:t>https://www.stackchief.com/</a:t>
+            </a:r>
+            <a:endParaRPr lang="en-US" sz="2000" dirty="0"/>
+          </a:p>
+          <a:p>
+            <a:r>
+              <a:rPr lang="en-US" sz="2000" dirty="0"/>
+              <a:t>8: </a:t>
+            </a:r>
+            <a:r>
+              <a:rPr lang="en-US" sz="2000" dirty="0">
+                <a:hlinkClick r:id="rId9"/>
+              </a:rPr>
+              <a:t>https://kafka.apache.org/</a:t>
+            </a:r>
+            <a:endParaRPr lang="en-US" sz="2000" dirty="0"/>
+          </a:p>
+          <a:p>
+            <a:r>
+              <a:rPr lang="en-US" sz="2000" dirty="0"/>
+              <a:t>9: </a:t>
+            </a:r>
+            <a:r>
+              <a:rPr lang="en-US" sz="2000" dirty="0">
+                <a:hlinkClick r:id="rId10"/>
+              </a:rPr>
+              <a:t>https://www.geeksforgeeks.org/</a:t>
+            </a:r>
+            <a:endParaRPr lang="en-US" sz="2000" dirty="0"/>
+          </a:p>
+          <a:p>
+            <a:r>
+              <a:rPr lang="en-US" sz="2000" dirty="0"/>
+              <a:t>10: </a:t>
+            </a:r>
+            <a:r>
+              <a:rPr lang="en-US" sz="2000" dirty="0">
+                <a:hlinkClick r:id="rId11"/>
+              </a:rPr>
+              <a:t>https://studentski.net/</a:t>
+            </a:r>
+            <a:endParaRPr lang="en-US" sz="2000" dirty="0"/>
+          </a:p>
+          <a:p>
+            <a:r>
+              <a:rPr lang="en-US" sz="2000" dirty="0"/>
+              <a:t>11: </a:t>
+            </a:r>
+            <a:r>
+              <a:rPr lang="en-US" sz="2000" dirty="0">
+                <a:hlinkClick r:id="rId12"/>
+              </a:rPr>
+              <a:t>https://www.geeksforgeeks.org/</a:t>
+            </a:r>
+            <a:endParaRPr lang="sl-SI" sz="2000" dirty="0"/>
+          </a:p>
+        </p:txBody>
+      </p:sp>
+    </p:spTree>
+    <p:extLst>
+      <p:ext uri="{BB962C8B-B14F-4D97-AF65-F5344CB8AC3E}">
+        <p14:creationId xmlns:p14="http://schemas.microsoft.com/office/powerpoint/2010/main" val="3561354923"/>
+      </p:ext>
+    </p:extLst>
+  </p:cSld>
+  <p:clrMapOvr>
+    <a:masterClrMapping/>
+  </p:clrMapOvr>
+</p:sld>
+</file>
+
+<file path=ppt/slides/slide16.xml><?xml version="1.0" encoding="utf-8"?>
+<p:sld xmlns:a="http://schemas.openxmlformats.org/drawingml/2006/main" xmlns:r="http://schemas.openxmlformats.org/officeDocument/2006/relationships" xmlns:p="http://schemas.openxmlformats.org/presentationml/2006/main">
+  <p:cSld>
+    <p:spTree>
+      <p:nvGrpSpPr>
+        <p:cNvPr id="1" name=""/>
+        <p:cNvGrpSpPr/>
+        <p:nvPr/>
+      </p:nvGrpSpPr>
+      <p:grpSpPr>
+        <a:xfrm>
+          <a:off x="0" y="0"/>
+          <a:ext cx="0" cy="0"/>
+          <a:chOff x="0" y="0"/>
+          <a:chExt cx="0" cy="0"/>
+        </a:xfrm>
+      </p:grpSpPr>
+      <p:sp>
+        <p:nvSpPr>
+          <p:cNvPr id="2" name="Title 1">
+            <a:extLst>
+              <a:ext uri="{FF2B5EF4-FFF2-40B4-BE49-F238E27FC236}">
+                <a16:creationId xmlns:a16="http://schemas.microsoft.com/office/drawing/2014/main" id="{E386328D-7051-4013-B61E-C7368369CB51}"/>
+              </a:ext>
+            </a:extLst>
+          </p:cNvPr>
+          <p:cNvSpPr>
+            <a:spLocks noGrp="1"/>
+          </p:cNvSpPr>
+          <p:nvPr>
+            <p:ph type="title"/>
+          </p:nvPr>
+        </p:nvSpPr>
+        <p:spPr/>
+        <p:txBody>
+          <a:bodyPr/>
+          <a:lstStyle/>
+          <a:p>
+            <a:r>
+              <a:rPr lang="en-US" dirty="0" err="1"/>
+              <a:t>Viri</a:t>
+            </a:r>
+            <a:endParaRPr lang="sl-SI" dirty="0"/>
+          </a:p>
+        </p:txBody>
+      </p:sp>
+      <p:sp>
+        <p:nvSpPr>
+          <p:cNvPr id="3" name="Content Placeholder 2">
+            <a:extLst>
+              <a:ext uri="{FF2B5EF4-FFF2-40B4-BE49-F238E27FC236}">
+                <a16:creationId xmlns:a16="http://schemas.microsoft.com/office/drawing/2014/main" id="{AE02B462-C978-4F5E-8082-FE3884A56672}"/>
+              </a:ext>
+            </a:extLst>
+          </p:cNvPr>
+          <p:cNvSpPr>
+            <a:spLocks noGrp="1"/>
+          </p:cNvSpPr>
+          <p:nvPr>
+            <p:ph idx="1"/>
+          </p:nvPr>
+        </p:nvSpPr>
+        <p:spPr/>
+        <p:txBody>
+          <a:bodyPr>
+            <a:normAutofit fontScale="92500" lnSpcReduction="10000"/>
           </a:bodyPr>
           <a:lstStyle/>
           <a:p>
@@ -4902,6 +5046,19 @@
                 <a:hlinkClick r:id="rId11"/>
               </a:rPr>
               <a:t>https://github.com/nik1178/LatticePaths</a:t>
+            </a:r>
+            <a:endParaRPr lang="en-US" sz="2000" dirty="0"/>
+          </a:p>
+          <a:p>
+            <a:r>
+              <a:rPr lang="en-US" sz="2000" dirty="0"/>
+              <a:t>23: </a:t>
+            </a:r>
+            <a:r>
+              <a:rPr lang="en-US" sz="2000" dirty="0">
+                <a:hlinkClick r:id="rId12"/>
+              </a:rPr>
+              <a:t>https://projecteuler.net/thread</a:t>
             </a:r>
             <a:endParaRPr lang="en-US" sz="2000" dirty="0"/>
           </a:p>
@@ -5004,26 +5161,9 @@
             <a:endParaRPr lang="en-US" dirty="0"/>
           </a:p>
           <a:p>
-            <a:r>
-              <a:rPr lang="en-US" dirty="0" err="1"/>
-              <a:t>Učenje</a:t>
-            </a:r>
-            <a:r>
-              <a:rPr lang="en-US" dirty="0"/>
-              <a:t> </a:t>
-            </a:r>
-            <a:r>
-              <a:rPr lang="en-US" dirty="0" err="1"/>
-              <a:t>grafike</a:t>
-            </a:r>
-            <a:r>
-              <a:rPr lang="en-US" dirty="0"/>
-              <a:t> v </a:t>
-            </a:r>
-            <a:r>
-              <a:rPr lang="en-US" dirty="0" err="1"/>
-              <a:t>Javi</a:t>
-            </a:r>
+            <a:pPr marL="0" indent="0">
+              <a:buNone/>
+            </a:pPr>
             <a:endParaRPr lang="en-US" dirty="0"/>
           </a:p>
           <a:p>
@@ -5235,50 +5375,15 @@
           <a:p>
             <a:r>
               <a:rPr lang="en-US" dirty="0"/>
-              <a:t>“</a:t>
-            </a:r>
-            <a:r>
-              <a:rPr lang="en-US" dirty="0" err="1"/>
-              <a:t>Piši</a:t>
-            </a:r>
-            <a:r>
-              <a:rPr lang="en-US" dirty="0"/>
-              <a:t> </a:t>
-            </a:r>
-            <a:r>
-              <a:rPr lang="en-US" dirty="0" err="1"/>
-              <a:t>enkrat</a:t>
-            </a:r>
-            <a:r>
-              <a:rPr lang="en-US" dirty="0"/>
-              <a:t>, </a:t>
-            </a:r>
-            <a:r>
-              <a:rPr lang="en-US" dirty="0" err="1"/>
-              <a:t>poženi</a:t>
-            </a:r>
-            <a:r>
-              <a:rPr lang="en-US" dirty="0"/>
-              <a:t> </a:t>
-            </a:r>
-            <a:r>
-              <a:rPr lang="en-US" dirty="0" err="1"/>
-              <a:t>kjerkoli</a:t>
-            </a:r>
-            <a:r>
-              <a:rPr lang="en-US" dirty="0"/>
-              <a:t>”</a:t>
-            </a:r>
-          </a:p>
-          <a:p>
-            <a:r>
-              <a:rPr lang="en-US" dirty="0"/>
               <a:t>Dobro </a:t>
             </a:r>
             <a:r>
               <a:rPr lang="en-US" dirty="0" err="1"/>
               <a:t>dokumentiran</a:t>
             </a:r>
+            <a:endParaRPr lang="en-US" dirty="0"/>
+          </a:p>
+          <a:p>
             <a:endParaRPr lang="en-US" dirty="0"/>
           </a:p>
           <a:p>
@@ -6250,7 +6355,7 @@
           <a:p>
             <a:r>
               <a:rPr lang="en-US" dirty="0"/>
-              <a:t>Paint</a:t>
+              <a:t>paint()</a:t>
             </a:r>
           </a:p>
           <a:p>
@@ -6260,22 +6365,6 @@
             </a:r>
           </a:p>
           <a:p>
-            <a:r>
-              <a:rPr lang="en-US" dirty="0"/>
-              <a:t>X+1 </a:t>
-            </a:r>
-            <a:r>
-              <a:rPr lang="en-US" dirty="0" err="1"/>
-              <a:t>horizontalnih</a:t>
-            </a:r>
-            <a:r>
-              <a:rPr lang="en-US" dirty="0"/>
-              <a:t>, X+1 </a:t>
-            </a:r>
-            <a:r>
-              <a:rPr lang="en-US" dirty="0" err="1"/>
-              <a:t>vertikalnih</a:t>
-            </a:r>
             <a:endParaRPr lang="en-US" dirty="0"/>
           </a:p>
           <a:p>
@@ -6310,6 +6399,77 @@
               <a:buNone/>
             </a:pPr>
             <a:endParaRPr lang="sl-SI" dirty="0"/>
+          </a:p>
+        </p:txBody>
+      </p:sp>
+      <p:pic>
+        <p:nvPicPr>
+          <p:cNvPr id="5" name="Picture 4">
+            <a:extLst>
+              <a:ext uri="{FF2B5EF4-FFF2-40B4-BE49-F238E27FC236}">
+                <a16:creationId xmlns:a16="http://schemas.microsoft.com/office/drawing/2014/main" id="{D8CF1DD2-5BDE-4BBF-9B2D-F22D0CA1BE57}"/>
+              </a:ext>
+            </a:extLst>
+          </p:cNvPr>
+          <p:cNvPicPr>
+            <a:picLocks noChangeAspect="1"/>
+          </p:cNvPicPr>
+          <p:nvPr/>
+        </p:nvPicPr>
+        <p:blipFill>
+          <a:blip r:embed="rId2"/>
+          <a:stretch>
+            <a:fillRect/>
+          </a:stretch>
+        </p:blipFill>
+        <p:spPr>
+          <a:xfrm>
+            <a:off x="6983519" y="756152"/>
+            <a:ext cx="4854361" cy="5136325"/>
+          </a:xfrm>
+          <a:prstGeom prst="rect">
+            <a:avLst/>
+          </a:prstGeom>
+          <a:ln w="76200">
+            <a:solidFill>
+              <a:srgbClr val="212121"/>
+            </a:solidFill>
+          </a:ln>
+        </p:spPr>
+      </p:pic>
+      <p:sp>
+        <p:nvSpPr>
+          <p:cNvPr id="6" name="TextBox 5">
+            <a:extLst>
+              <a:ext uri="{FF2B5EF4-FFF2-40B4-BE49-F238E27FC236}">
+                <a16:creationId xmlns:a16="http://schemas.microsoft.com/office/drawing/2014/main" id="{25C36020-5EF1-4556-8DCB-1F370EE05860}"/>
+              </a:ext>
+            </a:extLst>
+          </p:cNvPr>
+          <p:cNvSpPr txBox="1"/>
+          <p:nvPr/>
+        </p:nvSpPr>
+        <p:spPr>
+          <a:xfrm>
+            <a:off x="6983519" y="5969655"/>
+            <a:ext cx="1069792" cy="523220"/>
+          </a:xfrm>
+          <a:prstGeom prst="rect">
+            <a:avLst/>
+          </a:prstGeom>
+          <a:noFill/>
+        </p:spPr>
+        <p:txBody>
+          <a:bodyPr wrap="square" rtlCol="0">
+            <a:spAutoFit/>
+          </a:bodyPr>
+          <a:lstStyle/>
+          <a:p>
+            <a:r>
+              <a:rPr lang="en-US" sz="2800" dirty="0"/>
+              <a:t>(22)</a:t>
+            </a:r>
+            <a:endParaRPr lang="sl-SI" sz="2800" dirty="0"/>
           </a:p>
         </p:txBody>
       </p:sp>
@@ -6398,8 +6558,16 @@
         </p:nvSpPr>
         <p:spPr/>
         <p:txBody>
-          <a:bodyPr/>
-          <a:lstStyle/>
+          <a:bodyPr>
+            <a:normAutofit/>
+          </a:bodyPr>
+          <a:lstStyle/>
+          <a:p>
+            <a:r>
+              <a:rPr lang="en-US" dirty="0"/>
+              <a:t>HashMap</a:t>
+            </a:r>
+          </a:p>
           <a:p>
             <a:r>
               <a:rPr lang="en-US" dirty="0" err="1"/>
@@ -6408,12 +6576,6 @@
             <a:r>
               <a:rPr lang="en-US" dirty="0"/>
               <a:t> “Line”</a:t>
-            </a:r>
-          </a:p>
-          <a:p>
-            <a:r>
-              <a:rPr lang="en-US" dirty="0"/>
-              <a:t>HashMap</a:t>
             </a:r>
           </a:p>
           <a:p>

--- a/PowerPoint/Jenič Nik T4b.pptx
+++ b/PowerPoint/Jenič Nik T4b.pptx
@@ -331,7 +331,7 @@
           <a:p>
             <a:fld id="{F133FE99-EF32-4208-98DD-697D8B8FAF36}" type="datetimeFigureOut">
               <a:rPr lang="en-SI" smtClean="0"/>
-              <a:t>24/04/2022</a:t>
+              <a:t>25/04/2022</a:t>
             </a:fld>
             <a:endParaRPr lang="en-SI"/>
           </a:p>
@@ -531,7 +531,7 @@
           <a:p>
             <a:fld id="{F133FE99-EF32-4208-98DD-697D8B8FAF36}" type="datetimeFigureOut">
               <a:rPr lang="en-SI" smtClean="0"/>
-              <a:t>24/04/2022</a:t>
+              <a:t>25/04/2022</a:t>
             </a:fld>
             <a:endParaRPr lang="en-SI"/>
           </a:p>
@@ -741,7 +741,7 @@
           <a:p>
             <a:fld id="{F133FE99-EF32-4208-98DD-697D8B8FAF36}" type="datetimeFigureOut">
               <a:rPr lang="en-SI" smtClean="0"/>
-              <a:t>24/04/2022</a:t>
+              <a:t>25/04/2022</a:t>
             </a:fld>
             <a:endParaRPr lang="en-SI"/>
           </a:p>
@@ -1090,7 +1090,7 @@
           <a:p>
             <a:fld id="{F133FE99-EF32-4208-98DD-697D8B8FAF36}" type="datetimeFigureOut">
               <a:rPr lang="en-SI" smtClean="0"/>
-              <a:t>24/04/2022</a:t>
+              <a:t>25/04/2022</a:t>
             </a:fld>
             <a:endParaRPr lang="en-SI"/>
           </a:p>
@@ -1528,7 +1528,7 @@
           <a:p>
             <a:fld id="{F133FE99-EF32-4208-98DD-697D8B8FAF36}" type="datetimeFigureOut">
               <a:rPr lang="en-SI" smtClean="0"/>
-              <a:t>24/04/2022</a:t>
+              <a:t>25/04/2022</a:t>
             </a:fld>
             <a:endParaRPr lang="en-SI"/>
           </a:p>
@@ -1796,7 +1796,7 @@
           <a:p>
             <a:fld id="{F133FE99-EF32-4208-98DD-697D8B8FAF36}" type="datetimeFigureOut">
               <a:rPr lang="en-SI" smtClean="0"/>
-              <a:t>24/04/2022</a:t>
+              <a:t>25/04/2022</a:t>
             </a:fld>
             <a:endParaRPr lang="en-SI"/>
           </a:p>
@@ -2211,7 +2211,7 @@
           <a:p>
             <a:fld id="{F133FE99-EF32-4208-98DD-697D8B8FAF36}" type="datetimeFigureOut">
               <a:rPr lang="en-SI" smtClean="0"/>
-              <a:t>24/04/2022</a:t>
+              <a:t>25/04/2022</a:t>
             </a:fld>
             <a:endParaRPr lang="en-SI"/>
           </a:p>
@@ -2353,7 +2353,7 @@
           <a:p>
             <a:fld id="{F133FE99-EF32-4208-98DD-697D8B8FAF36}" type="datetimeFigureOut">
               <a:rPr lang="en-SI" smtClean="0"/>
-              <a:t>24/04/2022</a:t>
+              <a:t>25/04/2022</a:t>
             </a:fld>
             <a:endParaRPr lang="en-SI"/>
           </a:p>
@@ -2466,7 +2466,7 @@
           <a:p>
             <a:fld id="{F133FE99-EF32-4208-98DD-697D8B8FAF36}" type="datetimeFigureOut">
               <a:rPr lang="en-SI" smtClean="0"/>
-              <a:t>24/04/2022</a:t>
+              <a:t>25/04/2022</a:t>
             </a:fld>
             <a:endParaRPr lang="en-SI"/>
           </a:p>
@@ -2779,7 +2779,7 @@
           <a:p>
             <a:fld id="{F133FE99-EF32-4208-98DD-697D8B8FAF36}" type="datetimeFigureOut">
               <a:rPr lang="en-SI" smtClean="0"/>
-              <a:t>24/04/2022</a:t>
+              <a:t>25/04/2022</a:t>
             </a:fld>
             <a:endParaRPr lang="en-SI"/>
           </a:p>
@@ -3068,7 +3068,7 @@
           <a:p>
             <a:fld id="{F133FE99-EF32-4208-98DD-697D8B8FAF36}" type="datetimeFigureOut">
               <a:rPr lang="en-SI" smtClean="0"/>
-              <a:t>24/04/2022</a:t>
+              <a:t>25/04/2022</a:t>
             </a:fld>
             <a:endParaRPr lang="en-SI"/>
           </a:p>
@@ -3311,7 +3311,7 @@
           <a:p>
             <a:fld id="{F133FE99-EF32-4208-98DD-697D8B8FAF36}" type="datetimeFigureOut">
               <a:rPr lang="en-SI" smtClean="0"/>
-              <a:t>24/04/2022</a:t>
+              <a:t>25/04/2022</a:t>
             </a:fld>
             <a:endParaRPr lang="en-SI"/>
           </a:p>
@@ -4564,6 +4564,22 @@
               <a:rPr lang="en-US" dirty="0" err="1"/>
               <a:t>Profesorju</a:t>
             </a:r>
+            <a:r>
+              <a:rPr lang="en-US" dirty="0"/>
+              <a:t> </a:t>
+            </a:r>
+            <a:r>
+              <a:rPr lang="en-US" dirty="0" err="1"/>
+              <a:t>Gregorju</a:t>
+            </a:r>
+            <a:r>
+              <a:rPr lang="en-US" dirty="0"/>
+              <a:t> </a:t>
+            </a:r>
+            <a:r>
+              <a:rPr lang="en-US"/>
+              <a:t>Medetu</a:t>
+            </a:r>
             <a:endParaRPr lang="en-US" dirty="0"/>
           </a:p>
           <a:p>
